--- a/linkedList/linkedList.pptx
+++ b/linkedList/linkedList.pptx
@@ -5,7 +5,7 @@
     <p:sldMasterId id="2147483648" r:id="rId1"/>
   </p:sldMasterIdLst>
   <p:notesMasterIdLst>
-    <p:notesMasterId r:id="rId7"/>
+    <p:notesMasterId r:id="rId10"/>
   </p:notesMasterIdLst>
   <p:sldIdLst>
     <p:sldId id="259" r:id="rId2"/>
@@ -13,6 +13,9 @@
     <p:sldId id="262" r:id="rId4"/>
     <p:sldId id="264" r:id="rId5"/>
     <p:sldId id="265" r:id="rId6"/>
+    <p:sldId id="266" r:id="rId7"/>
+    <p:sldId id="269" r:id="rId8"/>
+    <p:sldId id="268" r:id="rId9"/>
   </p:sldIdLst>
   <p:sldSz cx="12192000" cy="6858000"/>
   <p:notesSz cx="6858000" cy="9144000"/>
@@ -201,7 +204,7 @@
           <a:p>
             <a:fld id="{EF89B589-35CB-4095-89F3-CBA9C3D5C94E}" type="datetimeFigureOut">
               <a:rPr lang="ko-KR" altLang="en-US" smtClean="0"/>
-              <a:t>2022-03-09 Wed요일</a:t>
+              <a:t>2022-03-10 Thu요일</a:t>
             </a:fld>
             <a:endParaRPr lang="ko-KR" altLang="en-US"/>
           </a:p>
@@ -615,7 +618,7 @@
           <a:p>
             <a:fld id="{3F5DACAA-BDF7-41DD-B2E5-E4E78D96A16D}" type="datetimeFigureOut">
               <a:rPr lang="ko-KR" altLang="en-US" smtClean="0"/>
-              <a:t>2022-03-09 Wed요일</a:t>
+              <a:t>2022-03-10 Thu요일</a:t>
             </a:fld>
             <a:endParaRPr lang="ko-KR" altLang="en-US"/>
           </a:p>
@@ -813,7 +816,7 @@
           <a:p>
             <a:fld id="{3F5DACAA-BDF7-41DD-B2E5-E4E78D96A16D}" type="datetimeFigureOut">
               <a:rPr lang="ko-KR" altLang="en-US" smtClean="0"/>
-              <a:t>2022-03-09 Wed요일</a:t>
+              <a:t>2022-03-10 Thu요일</a:t>
             </a:fld>
             <a:endParaRPr lang="ko-KR" altLang="en-US"/>
           </a:p>
@@ -1021,7 +1024,7 @@
           <a:p>
             <a:fld id="{3F5DACAA-BDF7-41DD-B2E5-E4E78D96A16D}" type="datetimeFigureOut">
               <a:rPr lang="ko-KR" altLang="en-US" smtClean="0"/>
-              <a:t>2022-03-09 Wed요일</a:t>
+              <a:t>2022-03-10 Thu요일</a:t>
             </a:fld>
             <a:endParaRPr lang="ko-KR" altLang="en-US"/>
           </a:p>
@@ -1219,7 +1222,7 @@
           <a:p>
             <a:fld id="{3F5DACAA-BDF7-41DD-B2E5-E4E78D96A16D}" type="datetimeFigureOut">
               <a:rPr lang="ko-KR" altLang="en-US" smtClean="0"/>
-              <a:t>2022-03-09 Wed요일</a:t>
+              <a:t>2022-03-10 Thu요일</a:t>
             </a:fld>
             <a:endParaRPr lang="ko-KR" altLang="en-US"/>
           </a:p>
@@ -1494,7 +1497,7 @@
           <a:p>
             <a:fld id="{3F5DACAA-BDF7-41DD-B2E5-E4E78D96A16D}" type="datetimeFigureOut">
               <a:rPr lang="ko-KR" altLang="en-US" smtClean="0"/>
-              <a:t>2022-03-09 Wed요일</a:t>
+              <a:t>2022-03-10 Thu요일</a:t>
             </a:fld>
             <a:endParaRPr lang="ko-KR" altLang="en-US"/>
           </a:p>
@@ -1759,7 +1762,7 @@
           <a:p>
             <a:fld id="{3F5DACAA-BDF7-41DD-B2E5-E4E78D96A16D}" type="datetimeFigureOut">
               <a:rPr lang="ko-KR" altLang="en-US" smtClean="0"/>
-              <a:t>2022-03-09 Wed요일</a:t>
+              <a:t>2022-03-10 Thu요일</a:t>
             </a:fld>
             <a:endParaRPr lang="ko-KR" altLang="en-US"/>
           </a:p>
@@ -2171,7 +2174,7 @@
           <a:p>
             <a:fld id="{3F5DACAA-BDF7-41DD-B2E5-E4E78D96A16D}" type="datetimeFigureOut">
               <a:rPr lang="ko-KR" altLang="en-US" smtClean="0"/>
-              <a:t>2022-03-09 Wed요일</a:t>
+              <a:t>2022-03-10 Thu요일</a:t>
             </a:fld>
             <a:endParaRPr lang="ko-KR" altLang="en-US"/>
           </a:p>
@@ -2312,7 +2315,7 @@
           <a:p>
             <a:fld id="{3F5DACAA-BDF7-41DD-B2E5-E4E78D96A16D}" type="datetimeFigureOut">
               <a:rPr lang="ko-KR" altLang="en-US" smtClean="0"/>
-              <a:t>2022-03-09 Wed요일</a:t>
+              <a:t>2022-03-10 Thu요일</a:t>
             </a:fld>
             <a:endParaRPr lang="ko-KR" altLang="en-US"/>
           </a:p>
@@ -2425,7 +2428,7 @@
           <a:p>
             <a:fld id="{3F5DACAA-BDF7-41DD-B2E5-E4E78D96A16D}" type="datetimeFigureOut">
               <a:rPr lang="ko-KR" altLang="en-US" smtClean="0"/>
-              <a:t>2022-03-09 Wed요일</a:t>
+              <a:t>2022-03-10 Thu요일</a:t>
             </a:fld>
             <a:endParaRPr lang="ko-KR" altLang="en-US"/>
           </a:p>
@@ -2736,7 +2739,7 @@
           <a:p>
             <a:fld id="{3F5DACAA-BDF7-41DD-B2E5-E4E78D96A16D}" type="datetimeFigureOut">
               <a:rPr lang="ko-KR" altLang="en-US" smtClean="0"/>
-              <a:t>2022-03-09 Wed요일</a:t>
+              <a:t>2022-03-10 Thu요일</a:t>
             </a:fld>
             <a:endParaRPr lang="ko-KR" altLang="en-US"/>
           </a:p>
@@ -3024,7 +3027,7 @@
           <a:p>
             <a:fld id="{3F5DACAA-BDF7-41DD-B2E5-E4E78D96A16D}" type="datetimeFigureOut">
               <a:rPr lang="ko-KR" altLang="en-US" smtClean="0"/>
-              <a:t>2022-03-09 Wed요일</a:t>
+              <a:t>2022-03-10 Thu요일</a:t>
             </a:fld>
             <a:endParaRPr lang="ko-KR" altLang="en-US"/>
           </a:p>
@@ -3265,7 +3268,7 @@
           <a:p>
             <a:fld id="{3F5DACAA-BDF7-41DD-B2E5-E4E78D96A16D}" type="datetimeFigureOut">
               <a:rPr lang="ko-KR" altLang="en-US" smtClean="0"/>
-              <a:t>2022-03-09 Wed요일</a:t>
+              <a:t>2022-03-10 Thu요일</a:t>
             </a:fld>
             <a:endParaRPr lang="ko-KR" altLang="en-US"/>
           </a:p>
@@ -4568,6 +4571,205 @@
           </a:fontRef>
         </p:style>
       </p:cxnSp>
+      <p:sp>
+        <p:nvSpPr>
+          <p:cNvPr id="24" name="직사각형 23">
+            <a:extLst>
+              <a:ext uri="{FF2B5EF4-FFF2-40B4-BE49-F238E27FC236}">
+                <a16:creationId xmlns:a16="http://schemas.microsoft.com/office/drawing/2014/main" id="{6F4F048F-BAEC-48F2-8F6A-C1BB6B56B44D}"/>
+              </a:ext>
+            </a:extLst>
+          </p:cNvPr>
+          <p:cNvSpPr/>
+          <p:nvPr/>
+        </p:nvSpPr>
+        <p:spPr>
+          <a:xfrm>
+            <a:off x="4777638" y="4777690"/>
+            <a:ext cx="2423769" cy="861774"/>
+          </a:xfrm>
+          <a:prstGeom prst="rect">
+            <a:avLst/>
+          </a:prstGeom>
+          <a:noFill/>
+          <a:ln>
+            <a:solidFill>
+              <a:schemeClr val="tx1"/>
+            </a:solidFill>
+          </a:ln>
+        </p:spPr>
+        <p:style>
+          <a:lnRef idx="2">
+            <a:schemeClr val="accent1">
+              <a:shade val="50000"/>
+            </a:schemeClr>
+          </a:lnRef>
+          <a:fillRef idx="1">
+            <a:schemeClr val="accent1"/>
+          </a:fillRef>
+          <a:effectRef idx="0">
+            <a:schemeClr val="accent1"/>
+          </a:effectRef>
+          <a:fontRef idx="minor">
+            <a:schemeClr val="lt1"/>
+          </a:fontRef>
+        </p:style>
+        <p:txBody>
+          <a:bodyPr rtlCol="0" anchor="ctr"/>
+          <a:lstStyle/>
+          <a:p>
+            <a:pPr algn="ctr"/>
+            <a:endParaRPr lang="ko-KR" altLang="en-US"/>
+          </a:p>
+        </p:txBody>
+      </p:sp>
+      <p:cxnSp>
+        <p:nvCxnSpPr>
+          <p:cNvPr id="25" name="직선 연결선 24">
+            <a:extLst>
+              <a:ext uri="{FF2B5EF4-FFF2-40B4-BE49-F238E27FC236}">
+                <a16:creationId xmlns:a16="http://schemas.microsoft.com/office/drawing/2014/main" id="{EB819E8B-7CB4-4B6D-BC13-8241D5E499EE}"/>
+              </a:ext>
+            </a:extLst>
+          </p:cNvPr>
+          <p:cNvCxnSpPr/>
+          <p:nvPr/>
+        </p:nvCxnSpPr>
+        <p:spPr>
+          <a:xfrm>
+            <a:off x="5968423" y="4777690"/>
+            <a:ext cx="0" cy="861774"/>
+          </a:xfrm>
+          <a:prstGeom prst="line">
+            <a:avLst/>
+          </a:prstGeom>
+        </p:spPr>
+        <p:style>
+          <a:lnRef idx="1">
+            <a:schemeClr val="dk1"/>
+          </a:lnRef>
+          <a:fillRef idx="0">
+            <a:schemeClr val="dk1"/>
+          </a:fillRef>
+          <a:effectRef idx="0">
+            <a:schemeClr val="dk1"/>
+          </a:effectRef>
+          <a:fontRef idx="minor">
+            <a:schemeClr val="tx1"/>
+          </a:fontRef>
+        </p:style>
+      </p:cxnSp>
+      <p:sp>
+        <p:nvSpPr>
+          <p:cNvPr id="26" name="TextBox 25">
+            <a:extLst>
+              <a:ext uri="{FF2B5EF4-FFF2-40B4-BE49-F238E27FC236}">
+                <a16:creationId xmlns:a16="http://schemas.microsoft.com/office/drawing/2014/main" id="{100A6E4F-23CC-459D-B082-E22B9F096930}"/>
+              </a:ext>
+            </a:extLst>
+          </p:cNvPr>
+          <p:cNvSpPr txBox="1"/>
+          <p:nvPr/>
+        </p:nvSpPr>
+        <p:spPr>
+          <a:xfrm>
+            <a:off x="5104973" y="4777690"/>
+            <a:ext cx="606256" cy="861774"/>
+          </a:xfrm>
+          <a:prstGeom prst="rect">
+            <a:avLst/>
+          </a:prstGeom>
+          <a:noFill/>
+        </p:spPr>
+        <p:txBody>
+          <a:bodyPr wrap="none" rtlCol="0">
+            <a:spAutoFit/>
+          </a:bodyPr>
+          <a:lstStyle/>
+          <a:p>
+            <a:r>
+              <a:rPr lang="en-US" altLang="ko-KR" sz="5000" dirty="0"/>
+              <a:t>A</a:t>
+            </a:r>
+            <a:endParaRPr lang="ko-KR" altLang="en-US" sz="5000" dirty="0"/>
+          </a:p>
+        </p:txBody>
+      </p:sp>
+      <p:sp>
+        <p:nvSpPr>
+          <p:cNvPr id="27" name="TextBox 26">
+            <a:extLst>
+              <a:ext uri="{FF2B5EF4-FFF2-40B4-BE49-F238E27FC236}">
+                <a16:creationId xmlns:a16="http://schemas.microsoft.com/office/drawing/2014/main" id="{B9AF9E16-0B7F-424F-8136-493C08D9C6BD}"/>
+              </a:ext>
+            </a:extLst>
+          </p:cNvPr>
+          <p:cNvSpPr txBox="1"/>
+          <p:nvPr/>
+        </p:nvSpPr>
+        <p:spPr>
+          <a:xfrm>
+            <a:off x="6139922" y="4777690"/>
+            <a:ext cx="889987" cy="861774"/>
+          </a:xfrm>
+          <a:prstGeom prst="rect">
+            <a:avLst/>
+          </a:prstGeom>
+          <a:noFill/>
+        </p:spPr>
+        <p:txBody>
+          <a:bodyPr wrap="none" rtlCol="0">
+            <a:spAutoFit/>
+          </a:bodyPr>
+          <a:lstStyle/>
+          <a:p>
+            <a:r>
+              <a:rPr lang="en-US" altLang="ko-KR" sz="5000" dirty="0"/>
+              <a:t>50</a:t>
+            </a:r>
+            <a:endParaRPr lang="ko-KR" altLang="en-US" sz="5000" dirty="0"/>
+          </a:p>
+        </p:txBody>
+      </p:sp>
+      <p:sp>
+        <p:nvSpPr>
+          <p:cNvPr id="28" name="TextBox 27">
+            <a:extLst>
+              <a:ext uri="{FF2B5EF4-FFF2-40B4-BE49-F238E27FC236}">
+                <a16:creationId xmlns:a16="http://schemas.microsoft.com/office/drawing/2014/main" id="{72155140-1764-4EFF-87C4-75D92B641484}"/>
+              </a:ext>
+            </a:extLst>
+          </p:cNvPr>
+          <p:cNvSpPr txBox="1"/>
+          <p:nvPr/>
+        </p:nvSpPr>
+        <p:spPr>
+          <a:xfrm>
+            <a:off x="5406387" y="5777972"/>
+            <a:ext cx="1178528" cy="477054"/>
+          </a:xfrm>
+          <a:prstGeom prst="rect">
+            <a:avLst/>
+          </a:prstGeom>
+          <a:noFill/>
+        </p:spPr>
+        <p:txBody>
+          <a:bodyPr wrap="none" rtlCol="0">
+            <a:spAutoFit/>
+          </a:bodyPr>
+          <a:lstStyle/>
+          <a:p>
+            <a:r>
+              <a:rPr lang="en-US" altLang="ko-KR" sz="2500" dirty="0"/>
+              <a:t>50</a:t>
+            </a:r>
+            <a:r>
+              <a:rPr lang="ko-KR" altLang="en-US" sz="2500" dirty="0"/>
+              <a:t>번지</a:t>
+            </a:r>
+          </a:p>
+        </p:txBody>
+      </p:sp>
     </p:spTree>
     <p:extLst>
       <p:ext uri="{BB962C8B-B14F-4D97-AF65-F5344CB8AC3E}">
@@ -7188,7 +7390,7 @@
         </p:nvSpPr>
         <p:spPr>
           <a:xfrm>
-            <a:off x="2958101" y="2675590"/>
+            <a:off x="2809014" y="2665651"/>
             <a:ext cx="2423769" cy="861774"/>
           </a:xfrm>
           <a:prstGeom prst="rect">
@@ -7240,7 +7442,7 @@
         </p:nvCxnSpPr>
         <p:spPr>
           <a:xfrm>
-            <a:off x="4148886" y="2675590"/>
+            <a:off x="3999799" y="2665651"/>
             <a:ext cx="0" cy="861774"/>
           </a:xfrm>
           <a:prstGeom prst="line">
@@ -7276,7 +7478,7 @@
         </p:nvSpPr>
         <p:spPr>
           <a:xfrm>
-            <a:off x="3285436" y="2675590"/>
+            <a:off x="3136349" y="2665651"/>
             <a:ext cx="606256" cy="861774"/>
           </a:xfrm>
           <a:prstGeom prst="rect">
@@ -7312,7 +7514,7 @@
         </p:nvSpPr>
         <p:spPr>
           <a:xfrm>
-            <a:off x="4320385" y="2675590"/>
+            <a:off x="4171298" y="2665651"/>
             <a:ext cx="889987" cy="861774"/>
           </a:xfrm>
           <a:prstGeom prst="rect">
@@ -7348,7 +7550,7 @@
         </p:nvSpPr>
         <p:spPr>
           <a:xfrm>
-            <a:off x="1230291" y="2087217"/>
+            <a:off x="1081204" y="2119343"/>
             <a:ext cx="1186543" cy="477054"/>
           </a:xfrm>
           <a:prstGeom prst="rect">
@@ -7384,7 +7586,7 @@
         </p:nvSpPr>
         <p:spPr>
           <a:xfrm>
-            <a:off x="1226049" y="2675590"/>
+            <a:off x="1076962" y="2665651"/>
             <a:ext cx="1190785" cy="861774"/>
           </a:xfrm>
           <a:prstGeom prst="rect">
@@ -7436,7 +7638,7 @@
         </p:nvSpPr>
         <p:spPr>
           <a:xfrm>
-            <a:off x="1374326" y="2675590"/>
+            <a:off x="1225239" y="2665651"/>
             <a:ext cx="889987" cy="861774"/>
           </a:xfrm>
           <a:prstGeom prst="rect">
@@ -7472,7 +7674,7 @@
         </p:nvSpPr>
         <p:spPr>
           <a:xfrm>
-            <a:off x="3586850" y="3675872"/>
+            <a:off x="3437763" y="3665933"/>
             <a:ext cx="1178528" cy="477054"/>
           </a:xfrm>
           <a:prstGeom prst="rect">
@@ -7511,7 +7713,7 @@
         </p:nvSpPr>
         <p:spPr>
           <a:xfrm>
-            <a:off x="5887279" y="2675590"/>
+            <a:off x="5738192" y="2665651"/>
             <a:ext cx="2423769" cy="861774"/>
           </a:xfrm>
           <a:prstGeom prst="rect">
@@ -7563,7 +7765,7 @@
         </p:nvCxnSpPr>
         <p:spPr>
           <a:xfrm>
-            <a:off x="7078064" y="2675590"/>
+            <a:off x="6928977" y="2665651"/>
             <a:ext cx="0" cy="861774"/>
           </a:xfrm>
           <a:prstGeom prst="line">
@@ -7599,7 +7801,7 @@
         </p:nvSpPr>
         <p:spPr>
           <a:xfrm>
-            <a:off x="6214614" y="2675590"/>
+            <a:off x="6065527" y="2665651"/>
             <a:ext cx="558166" cy="861774"/>
           </a:xfrm>
           <a:prstGeom prst="rect">
@@ -7635,7 +7837,7 @@
         </p:nvSpPr>
         <p:spPr>
           <a:xfrm>
-            <a:off x="7249563" y="2675590"/>
+            <a:off x="7100476" y="2665651"/>
             <a:ext cx="889987" cy="861774"/>
           </a:xfrm>
           <a:prstGeom prst="rect">
@@ -7671,7 +7873,7 @@
         </p:nvSpPr>
         <p:spPr>
           <a:xfrm>
-            <a:off x="6516028" y="3675872"/>
+            <a:off x="6366941" y="3665933"/>
             <a:ext cx="1178528" cy="477054"/>
           </a:xfrm>
           <a:prstGeom prst="rect">
@@ -7710,7 +7912,7 @@
         </p:nvSpPr>
         <p:spPr>
           <a:xfrm>
-            <a:off x="8849813" y="2675590"/>
+            <a:off x="8700726" y="2665651"/>
             <a:ext cx="2423769" cy="861774"/>
           </a:xfrm>
           <a:prstGeom prst="rect">
@@ -7762,7 +7964,7 @@
         </p:nvCxnSpPr>
         <p:spPr>
           <a:xfrm>
-            <a:off x="10040598" y="2675590"/>
+            <a:off x="9891511" y="2665651"/>
             <a:ext cx="0" cy="861774"/>
           </a:xfrm>
           <a:prstGeom prst="line">
@@ -7798,7 +8000,7 @@
         </p:nvSpPr>
         <p:spPr>
           <a:xfrm>
-            <a:off x="9122714" y="2675590"/>
+            <a:off x="8973627" y="2665651"/>
             <a:ext cx="606256" cy="861774"/>
           </a:xfrm>
           <a:prstGeom prst="rect">
@@ -7834,7 +8036,7 @@
         </p:nvSpPr>
         <p:spPr>
           <a:xfrm>
-            <a:off x="9478562" y="3675872"/>
+            <a:off x="9329475" y="3665933"/>
             <a:ext cx="1178528" cy="477054"/>
           </a:xfrm>
           <a:prstGeom prst="rect">
@@ -7873,7 +8075,7 @@
         </p:nvSpPr>
         <p:spPr>
           <a:xfrm>
-            <a:off x="10347550" y="2129282"/>
+            <a:off x="10198463" y="2119343"/>
             <a:ext cx="619080" cy="477054"/>
           </a:xfrm>
           <a:prstGeom prst="rect">
@@ -7909,7 +8111,7 @@
         </p:nvSpPr>
         <p:spPr>
           <a:xfrm>
-            <a:off x="10061697" y="2675590"/>
+            <a:off x="9912610" y="2665651"/>
             <a:ext cx="1239442" cy="861774"/>
           </a:xfrm>
           <a:prstGeom prst="rect">
@@ -7948,7 +8150,7 @@
         </p:nvCxnSpPr>
         <p:spPr>
           <a:xfrm>
-            <a:off x="2416834" y="3106477"/>
+            <a:off x="2267747" y="3096538"/>
             <a:ext cx="541267" cy="0"/>
           </a:xfrm>
           <a:prstGeom prst="straightConnector1">
@@ -7991,7 +8193,7 @@
         </p:nvCxnSpPr>
         <p:spPr>
           <a:xfrm>
-            <a:off x="8311048" y="3106477"/>
+            <a:off x="8161961" y="3096538"/>
             <a:ext cx="538765" cy="0"/>
           </a:xfrm>
           <a:prstGeom prst="straightConnector1">
@@ -8031,7 +8233,7 @@
         </p:nvSpPr>
         <p:spPr>
           <a:xfrm>
-            <a:off x="6128124" y="2129282"/>
+            <a:off x="5979037" y="2119343"/>
             <a:ext cx="1899879" cy="477054"/>
           </a:xfrm>
           <a:prstGeom prst="rect">
@@ -8069,7 +8271,7 @@
         </p:nvCxnSpPr>
         <p:spPr>
           <a:xfrm>
-            <a:off x="5381870" y="3106477"/>
+            <a:off x="5232783" y="3096538"/>
             <a:ext cx="505409" cy="0"/>
           </a:xfrm>
           <a:prstGeom prst="straightConnector1">
@@ -8142,7 +8344,7 @@
         </p:nvSpPr>
         <p:spPr>
           <a:xfrm>
-            <a:off x="2958101" y="2675590"/>
+            <a:off x="2809015" y="2665651"/>
             <a:ext cx="2423769" cy="861774"/>
           </a:xfrm>
           <a:prstGeom prst="rect">
@@ -8194,7 +8396,7 @@
         </p:nvCxnSpPr>
         <p:spPr>
           <a:xfrm>
-            <a:off x="4148886" y="2675590"/>
+            <a:off x="3999800" y="2665651"/>
             <a:ext cx="0" cy="861774"/>
           </a:xfrm>
           <a:prstGeom prst="line">
@@ -8230,7 +8432,7 @@
         </p:nvSpPr>
         <p:spPr>
           <a:xfrm>
-            <a:off x="3285436" y="2675590"/>
+            <a:off x="3136350" y="2665651"/>
             <a:ext cx="606256" cy="861774"/>
           </a:xfrm>
           <a:prstGeom prst="rect">
@@ -8266,7 +8468,7 @@
         </p:nvSpPr>
         <p:spPr>
           <a:xfrm>
-            <a:off x="4320385" y="2675590"/>
+            <a:off x="4171299" y="2665651"/>
             <a:ext cx="889987" cy="861774"/>
           </a:xfrm>
           <a:prstGeom prst="rect">
@@ -8302,7 +8504,7 @@
         </p:nvSpPr>
         <p:spPr>
           <a:xfrm>
-            <a:off x="1230291" y="2087217"/>
+            <a:off x="1081205" y="2117034"/>
             <a:ext cx="1186543" cy="477054"/>
           </a:xfrm>
           <a:prstGeom prst="rect">
@@ -8338,7 +8540,7 @@
         </p:nvSpPr>
         <p:spPr>
           <a:xfrm>
-            <a:off x="1226049" y="2675590"/>
+            <a:off x="1076963" y="2665651"/>
             <a:ext cx="1190785" cy="861774"/>
           </a:xfrm>
           <a:prstGeom prst="rect">
@@ -8390,7 +8592,7 @@
         </p:nvSpPr>
         <p:spPr>
           <a:xfrm>
-            <a:off x="1374326" y="2675590"/>
+            <a:off x="1225240" y="2665651"/>
             <a:ext cx="889987" cy="861774"/>
           </a:xfrm>
           <a:prstGeom prst="rect">
@@ -8426,7 +8628,7 @@
         </p:nvSpPr>
         <p:spPr>
           <a:xfrm>
-            <a:off x="3586850" y="3675872"/>
+            <a:off x="3437764" y="3665933"/>
             <a:ext cx="1178528" cy="477054"/>
           </a:xfrm>
           <a:prstGeom prst="rect">
@@ -8465,7 +8667,7 @@
         </p:nvSpPr>
         <p:spPr>
           <a:xfrm>
-            <a:off x="5887279" y="2675590"/>
+            <a:off x="5738193" y="2665651"/>
             <a:ext cx="2423769" cy="861774"/>
           </a:xfrm>
           <a:prstGeom prst="rect">
@@ -8517,7 +8719,7 @@
         </p:nvCxnSpPr>
         <p:spPr>
           <a:xfrm>
-            <a:off x="7078064" y="2675590"/>
+            <a:off x="6928978" y="2665651"/>
             <a:ext cx="0" cy="861774"/>
           </a:xfrm>
           <a:prstGeom prst="line">
@@ -8553,7 +8755,7 @@
         </p:nvSpPr>
         <p:spPr>
           <a:xfrm>
-            <a:off x="6214614" y="2675590"/>
+            <a:off x="6065528" y="2665651"/>
             <a:ext cx="558166" cy="861774"/>
           </a:xfrm>
           <a:prstGeom prst="rect">
@@ -8589,7 +8791,7 @@
         </p:nvSpPr>
         <p:spPr>
           <a:xfrm>
-            <a:off x="7249563" y="2675590"/>
+            <a:off x="7100477" y="2665651"/>
             <a:ext cx="889987" cy="861774"/>
           </a:xfrm>
           <a:prstGeom prst="rect">
@@ -8625,7 +8827,7 @@
         </p:nvSpPr>
         <p:spPr>
           <a:xfrm>
-            <a:off x="6516028" y="3675872"/>
+            <a:off x="6366942" y="3665933"/>
             <a:ext cx="1178528" cy="477054"/>
           </a:xfrm>
           <a:prstGeom prst="rect">
@@ -8664,7 +8866,7 @@
         </p:nvSpPr>
         <p:spPr>
           <a:xfrm>
-            <a:off x="8849813" y="2675590"/>
+            <a:off x="8700727" y="2665651"/>
             <a:ext cx="2423769" cy="861774"/>
           </a:xfrm>
           <a:prstGeom prst="rect">
@@ -8716,7 +8918,7 @@
         </p:nvCxnSpPr>
         <p:spPr>
           <a:xfrm>
-            <a:off x="10040598" y="2675590"/>
+            <a:off x="9891512" y="2665651"/>
             <a:ext cx="0" cy="861774"/>
           </a:xfrm>
           <a:prstGeom prst="line">
@@ -8752,7 +8954,7 @@
         </p:nvSpPr>
         <p:spPr>
           <a:xfrm>
-            <a:off x="9122714" y="2675590"/>
+            <a:off x="8973628" y="2665651"/>
             <a:ext cx="606256" cy="861774"/>
           </a:xfrm>
           <a:prstGeom prst="rect">
@@ -8788,7 +8990,7 @@
         </p:nvSpPr>
         <p:spPr>
           <a:xfrm>
-            <a:off x="9478562" y="3675872"/>
+            <a:off x="9329476" y="3665933"/>
             <a:ext cx="1178528" cy="477054"/>
           </a:xfrm>
           <a:prstGeom prst="rect">
@@ -8827,7 +9029,7 @@
         </p:nvSpPr>
         <p:spPr>
           <a:xfrm>
-            <a:off x="10347550" y="2129282"/>
+            <a:off x="10198464" y="2119343"/>
             <a:ext cx="619080" cy="477054"/>
           </a:xfrm>
           <a:prstGeom prst="rect">
@@ -8863,7 +9065,7 @@
         </p:nvSpPr>
         <p:spPr>
           <a:xfrm>
-            <a:off x="10061697" y="2675590"/>
+            <a:off x="9912611" y="2665651"/>
             <a:ext cx="1239442" cy="861774"/>
           </a:xfrm>
           <a:prstGeom prst="rect">
@@ -8902,7 +9104,7 @@
         </p:nvCxnSpPr>
         <p:spPr>
           <a:xfrm>
-            <a:off x="2416834" y="3106477"/>
+            <a:off x="2267748" y="3096538"/>
             <a:ext cx="541267" cy="0"/>
           </a:xfrm>
           <a:prstGeom prst="straightConnector1">
@@ -8945,7 +9147,7 @@
         </p:nvCxnSpPr>
         <p:spPr>
           <a:xfrm>
-            <a:off x="8311048" y="3106477"/>
+            <a:off x="8161962" y="3096538"/>
             <a:ext cx="538765" cy="0"/>
           </a:xfrm>
           <a:prstGeom prst="straightConnector1">
@@ -8985,7 +9187,7 @@
         </p:nvSpPr>
         <p:spPr>
           <a:xfrm>
-            <a:off x="6128124" y="2129282"/>
+            <a:off x="5979038" y="2119343"/>
             <a:ext cx="1899879" cy="477054"/>
           </a:xfrm>
           <a:prstGeom prst="rect">
@@ -9020,7 +9222,7 @@
         </p:nvCxnSpPr>
         <p:spPr>
           <a:xfrm>
-            <a:off x="5381870" y="3537364"/>
+            <a:off x="5232784" y="3527425"/>
             <a:ext cx="0" cy="1312932"/>
           </a:xfrm>
           <a:prstGeom prst="line">
@@ -9059,7 +9261,7 @@
         </p:nvCxnSpPr>
         <p:spPr>
           <a:xfrm>
-            <a:off x="5381870" y="4850296"/>
+            <a:off x="5232784" y="4840357"/>
             <a:ext cx="3467943" cy="0"/>
           </a:xfrm>
           <a:prstGeom prst="line">
@@ -9095,7 +9297,7 @@
         </p:nvCxnSpPr>
         <p:spPr>
           <a:xfrm flipV="1">
-            <a:off x="8849813" y="3537364"/>
+            <a:off x="8700727" y="3527425"/>
             <a:ext cx="0" cy="1312932"/>
           </a:xfrm>
           <a:prstGeom prst="straightConnector1">
@@ -9124,6 +9326,3578 @@
     <p:extLst>
       <p:ext uri="{BB962C8B-B14F-4D97-AF65-F5344CB8AC3E}">
         <p14:creationId xmlns:p14="http://schemas.microsoft.com/office/powerpoint/2010/main" val="3664440659"/>
+      </p:ext>
+    </p:extLst>
+  </p:cSld>
+  <p:clrMapOvr>
+    <a:masterClrMapping/>
+  </p:clrMapOvr>
+</p:sld>
+</file>
+
+<file path=ppt/slides/slide6.xml><?xml version="1.0" encoding="utf-8"?>
+<p:sld xmlns:a="http://schemas.openxmlformats.org/drawingml/2006/main" xmlns:r="http://schemas.openxmlformats.org/officeDocument/2006/relationships" xmlns:p="http://schemas.openxmlformats.org/presentationml/2006/main">
+  <p:cSld>
+    <p:spTree>
+      <p:nvGrpSpPr>
+        <p:cNvPr id="1" name=""/>
+        <p:cNvGrpSpPr/>
+        <p:nvPr/>
+      </p:nvGrpSpPr>
+      <p:grpSpPr>
+        <a:xfrm>
+          <a:off x="0" y="0"/>
+          <a:ext cx="0" cy="0"/>
+          <a:chOff x="0" y="0"/>
+          <a:chExt cx="0" cy="0"/>
+        </a:xfrm>
+      </p:grpSpPr>
+      <p:sp>
+        <p:nvSpPr>
+          <p:cNvPr id="119" name="TextBox 118">
+            <a:extLst>
+              <a:ext uri="{FF2B5EF4-FFF2-40B4-BE49-F238E27FC236}">
+                <a16:creationId xmlns:a16="http://schemas.microsoft.com/office/drawing/2014/main" id="{06708BF3-C536-4FE3-883C-2FA4CFC30455}"/>
+              </a:ext>
+            </a:extLst>
+          </p:cNvPr>
+          <p:cNvSpPr txBox="1"/>
+          <p:nvPr/>
+        </p:nvSpPr>
+        <p:spPr>
+          <a:xfrm>
+            <a:off x="1066176" y="1276122"/>
+            <a:ext cx="1186543" cy="477054"/>
+          </a:xfrm>
+          <a:prstGeom prst="rect">
+            <a:avLst/>
+          </a:prstGeom>
+          <a:noFill/>
+        </p:spPr>
+        <p:txBody>
+          <a:bodyPr wrap="none" rtlCol="0">
+            <a:spAutoFit/>
+          </a:bodyPr>
+          <a:lstStyle/>
+          <a:p>
+            <a:r>
+              <a:rPr lang="en-US" altLang="ko-KR" sz="2500" dirty="0"/>
+              <a:t>header</a:t>
+            </a:r>
+            <a:endParaRPr lang="ko-KR" altLang="en-US" sz="2500" dirty="0"/>
+          </a:p>
+        </p:txBody>
+      </p:sp>
+      <p:sp>
+        <p:nvSpPr>
+          <p:cNvPr id="41" name="직사각형 40">
+            <a:extLst>
+              <a:ext uri="{FF2B5EF4-FFF2-40B4-BE49-F238E27FC236}">
+                <a16:creationId xmlns:a16="http://schemas.microsoft.com/office/drawing/2014/main" id="{C628DB5E-FE42-4B83-95EF-7FB3FA110529}"/>
+              </a:ext>
+            </a:extLst>
+          </p:cNvPr>
+          <p:cNvSpPr/>
+          <p:nvPr/>
+        </p:nvSpPr>
+        <p:spPr>
+          <a:xfrm>
+            <a:off x="1061934" y="1814800"/>
+            <a:ext cx="1190785" cy="861774"/>
+          </a:xfrm>
+          <a:prstGeom prst="rect">
+            <a:avLst/>
+          </a:prstGeom>
+          <a:noFill/>
+          <a:ln>
+            <a:solidFill>
+              <a:schemeClr val="tx1"/>
+            </a:solidFill>
+          </a:ln>
+        </p:spPr>
+        <p:style>
+          <a:lnRef idx="2">
+            <a:schemeClr val="accent1">
+              <a:shade val="50000"/>
+            </a:schemeClr>
+          </a:lnRef>
+          <a:fillRef idx="1">
+            <a:schemeClr val="accent1"/>
+          </a:fillRef>
+          <a:effectRef idx="0">
+            <a:schemeClr val="accent1"/>
+          </a:effectRef>
+          <a:fontRef idx="minor">
+            <a:schemeClr val="lt1"/>
+          </a:fontRef>
+        </p:style>
+        <p:txBody>
+          <a:bodyPr rtlCol="0" anchor="ctr"/>
+          <a:lstStyle/>
+          <a:p>
+            <a:pPr algn="ctr"/>
+            <a:endParaRPr lang="ko-KR" altLang="en-US"/>
+          </a:p>
+        </p:txBody>
+      </p:sp>
+      <p:sp>
+        <p:nvSpPr>
+          <p:cNvPr id="42" name="TextBox 41">
+            <a:extLst>
+              <a:ext uri="{FF2B5EF4-FFF2-40B4-BE49-F238E27FC236}">
+                <a16:creationId xmlns:a16="http://schemas.microsoft.com/office/drawing/2014/main" id="{62795A6B-04BB-4F0D-BED8-E95D75015B8C}"/>
+              </a:ext>
+            </a:extLst>
+          </p:cNvPr>
+          <p:cNvSpPr txBox="1"/>
+          <p:nvPr/>
+        </p:nvSpPr>
+        <p:spPr>
+          <a:xfrm>
+            <a:off x="1210211" y="1814800"/>
+            <a:ext cx="889987" cy="861774"/>
+          </a:xfrm>
+          <a:prstGeom prst="rect">
+            <a:avLst/>
+          </a:prstGeom>
+          <a:noFill/>
+        </p:spPr>
+        <p:txBody>
+          <a:bodyPr wrap="none" rtlCol="0">
+            <a:spAutoFit/>
+          </a:bodyPr>
+          <a:lstStyle/>
+          <a:p>
+            <a:r>
+              <a:rPr lang="en-US" altLang="ko-KR" sz="5000" dirty="0"/>
+              <a:t>10</a:t>
+            </a:r>
+            <a:endParaRPr lang="ko-KR" altLang="en-US" sz="5000" dirty="0"/>
+          </a:p>
+        </p:txBody>
+      </p:sp>
+      <p:sp>
+        <p:nvSpPr>
+          <p:cNvPr id="45" name="직사각형 44">
+            <a:extLst>
+              <a:ext uri="{FF2B5EF4-FFF2-40B4-BE49-F238E27FC236}">
+                <a16:creationId xmlns:a16="http://schemas.microsoft.com/office/drawing/2014/main" id="{9839C51F-4399-491A-92FD-B366C6480388}"/>
+              </a:ext>
+            </a:extLst>
+          </p:cNvPr>
+          <p:cNvSpPr/>
+          <p:nvPr/>
+        </p:nvSpPr>
+        <p:spPr>
+          <a:xfrm>
+            <a:off x="2770237" y="1814800"/>
+            <a:ext cx="3395267" cy="861774"/>
+          </a:xfrm>
+          <a:prstGeom prst="rect">
+            <a:avLst/>
+          </a:prstGeom>
+          <a:noFill/>
+          <a:ln>
+            <a:solidFill>
+              <a:schemeClr val="tx1"/>
+            </a:solidFill>
+          </a:ln>
+        </p:spPr>
+        <p:style>
+          <a:lnRef idx="2">
+            <a:schemeClr val="accent1">
+              <a:shade val="50000"/>
+            </a:schemeClr>
+          </a:lnRef>
+          <a:fillRef idx="1">
+            <a:schemeClr val="accent1"/>
+          </a:fillRef>
+          <a:effectRef idx="0">
+            <a:schemeClr val="accent1"/>
+          </a:effectRef>
+          <a:fontRef idx="minor">
+            <a:schemeClr val="lt1"/>
+          </a:fontRef>
+        </p:style>
+        <p:txBody>
+          <a:bodyPr rtlCol="0" anchor="ctr"/>
+          <a:lstStyle/>
+          <a:p>
+            <a:pPr algn="ctr"/>
+            <a:endParaRPr lang="ko-KR" altLang="en-US"/>
+          </a:p>
+        </p:txBody>
+      </p:sp>
+      <p:cxnSp>
+        <p:nvCxnSpPr>
+          <p:cNvPr id="46" name="직선 연결선 45">
+            <a:extLst>
+              <a:ext uri="{FF2B5EF4-FFF2-40B4-BE49-F238E27FC236}">
+                <a16:creationId xmlns:a16="http://schemas.microsoft.com/office/drawing/2014/main" id="{C2A4177A-6144-4E1F-AEE5-86288048C09B}"/>
+              </a:ext>
+            </a:extLst>
+          </p:cNvPr>
+          <p:cNvCxnSpPr/>
+          <p:nvPr/>
+        </p:nvCxnSpPr>
+        <p:spPr>
+          <a:xfrm>
+            <a:off x="3979493" y="1814800"/>
+            <a:ext cx="0" cy="861774"/>
+          </a:xfrm>
+          <a:prstGeom prst="line">
+            <a:avLst/>
+          </a:prstGeom>
+        </p:spPr>
+        <p:style>
+          <a:lnRef idx="1">
+            <a:schemeClr val="dk1"/>
+          </a:lnRef>
+          <a:fillRef idx="0">
+            <a:schemeClr val="dk1"/>
+          </a:fillRef>
+          <a:effectRef idx="0">
+            <a:schemeClr val="dk1"/>
+          </a:effectRef>
+          <a:fontRef idx="minor">
+            <a:schemeClr val="tx1"/>
+          </a:fontRef>
+        </p:style>
+      </p:cxnSp>
+      <p:sp>
+        <p:nvSpPr>
+          <p:cNvPr id="47" name="TextBox 46">
+            <a:extLst>
+              <a:ext uri="{FF2B5EF4-FFF2-40B4-BE49-F238E27FC236}">
+                <a16:creationId xmlns:a16="http://schemas.microsoft.com/office/drawing/2014/main" id="{50C24520-BC04-435C-BAF9-9F4DD8C792DD}"/>
+              </a:ext>
+            </a:extLst>
+          </p:cNvPr>
+          <p:cNvSpPr txBox="1"/>
+          <p:nvPr/>
+        </p:nvSpPr>
+        <p:spPr>
+          <a:xfrm>
+            <a:off x="4235814" y="1814800"/>
+            <a:ext cx="606256" cy="861774"/>
+          </a:xfrm>
+          <a:prstGeom prst="rect">
+            <a:avLst/>
+          </a:prstGeom>
+          <a:noFill/>
+        </p:spPr>
+        <p:txBody>
+          <a:bodyPr wrap="none" rtlCol="0">
+            <a:spAutoFit/>
+          </a:bodyPr>
+          <a:lstStyle/>
+          <a:p>
+            <a:r>
+              <a:rPr lang="en-US" altLang="ko-KR" sz="5000" dirty="0"/>
+              <a:t>A</a:t>
+            </a:r>
+            <a:endParaRPr lang="ko-KR" altLang="en-US" sz="5000" dirty="0"/>
+          </a:p>
+        </p:txBody>
+      </p:sp>
+      <p:sp>
+        <p:nvSpPr>
+          <p:cNvPr id="48" name="TextBox 47">
+            <a:extLst>
+              <a:ext uri="{FF2B5EF4-FFF2-40B4-BE49-F238E27FC236}">
+                <a16:creationId xmlns:a16="http://schemas.microsoft.com/office/drawing/2014/main" id="{D9F8EB85-91B2-4A81-BC6A-DEBA3D581238}"/>
+              </a:ext>
+            </a:extLst>
+          </p:cNvPr>
+          <p:cNvSpPr txBox="1"/>
+          <p:nvPr/>
+        </p:nvSpPr>
+        <p:spPr>
+          <a:xfrm>
+            <a:off x="2698115" y="1814800"/>
+            <a:ext cx="1359668" cy="861774"/>
+          </a:xfrm>
+          <a:prstGeom prst="rect">
+            <a:avLst/>
+          </a:prstGeom>
+          <a:noFill/>
+        </p:spPr>
+        <p:txBody>
+          <a:bodyPr wrap="none" rtlCol="0">
+            <a:spAutoFit/>
+          </a:bodyPr>
+          <a:lstStyle/>
+          <a:p>
+            <a:r>
+              <a:rPr lang="en-US" altLang="ko-KR" sz="5000" dirty="0"/>
+              <a:t>Null</a:t>
+            </a:r>
+            <a:endParaRPr lang="ko-KR" altLang="en-US" sz="5000" dirty="0"/>
+          </a:p>
+        </p:txBody>
+      </p:sp>
+      <p:sp>
+        <p:nvSpPr>
+          <p:cNvPr id="49" name="TextBox 48">
+            <a:extLst>
+              <a:ext uri="{FF2B5EF4-FFF2-40B4-BE49-F238E27FC236}">
+                <a16:creationId xmlns:a16="http://schemas.microsoft.com/office/drawing/2014/main" id="{946F079E-066C-4CB0-A1C6-54EC532904A8}"/>
+              </a:ext>
+            </a:extLst>
+          </p:cNvPr>
+          <p:cNvSpPr txBox="1"/>
+          <p:nvPr/>
+        </p:nvSpPr>
+        <p:spPr>
+          <a:xfrm>
+            <a:off x="3979493" y="2739561"/>
+            <a:ext cx="1178528" cy="477054"/>
+          </a:xfrm>
+          <a:prstGeom prst="rect">
+            <a:avLst/>
+          </a:prstGeom>
+          <a:noFill/>
+        </p:spPr>
+        <p:txBody>
+          <a:bodyPr wrap="none" rtlCol="0">
+            <a:spAutoFit/>
+          </a:bodyPr>
+          <a:lstStyle/>
+          <a:p>
+            <a:r>
+              <a:rPr lang="en-US" altLang="ko-KR" sz="2500" dirty="0"/>
+              <a:t>10</a:t>
+            </a:r>
+            <a:r>
+              <a:rPr lang="ko-KR" altLang="en-US" sz="2500" dirty="0"/>
+              <a:t>번지</a:t>
+            </a:r>
+          </a:p>
+        </p:txBody>
+      </p:sp>
+      <p:cxnSp>
+        <p:nvCxnSpPr>
+          <p:cNvPr id="4" name="직선 화살표 연결선 3">
+            <a:extLst>
+              <a:ext uri="{FF2B5EF4-FFF2-40B4-BE49-F238E27FC236}">
+                <a16:creationId xmlns:a16="http://schemas.microsoft.com/office/drawing/2014/main" id="{5EDC8FBB-B38B-4D3A-A489-FBE305979A72}"/>
+              </a:ext>
+            </a:extLst>
+          </p:cNvPr>
+          <p:cNvCxnSpPr>
+            <a:cxnSpLocks/>
+            <a:stCxn id="41" idx="3"/>
+            <a:endCxn id="45" idx="1"/>
+          </p:cNvCxnSpPr>
+          <p:nvPr/>
+        </p:nvCxnSpPr>
+        <p:spPr>
+          <a:xfrm>
+            <a:off x="2252719" y="2245687"/>
+            <a:ext cx="517518" cy="0"/>
+          </a:xfrm>
+          <a:prstGeom prst="straightConnector1">
+            <a:avLst/>
+          </a:prstGeom>
+          <a:ln>
+            <a:headEnd type="oval"/>
+            <a:tailEnd type="triangle"/>
+          </a:ln>
+        </p:spPr>
+        <p:style>
+          <a:lnRef idx="1">
+            <a:schemeClr val="dk1"/>
+          </a:lnRef>
+          <a:fillRef idx="0">
+            <a:schemeClr val="dk1"/>
+          </a:fillRef>
+          <a:effectRef idx="0">
+            <a:schemeClr val="dk1"/>
+          </a:effectRef>
+          <a:fontRef idx="minor">
+            <a:schemeClr val="tx1"/>
+          </a:fontRef>
+        </p:style>
+      </p:cxnSp>
+      <p:cxnSp>
+        <p:nvCxnSpPr>
+          <p:cNvPr id="8" name="직선 화살표 연결선 7">
+            <a:extLst>
+              <a:ext uri="{FF2B5EF4-FFF2-40B4-BE49-F238E27FC236}">
+                <a16:creationId xmlns:a16="http://schemas.microsoft.com/office/drawing/2014/main" id="{F82B5802-31C4-46CF-89FC-072B1249BAE0}"/>
+              </a:ext>
+            </a:extLst>
+          </p:cNvPr>
+          <p:cNvCxnSpPr>
+            <a:cxnSpLocks/>
+            <a:stCxn id="45" idx="3"/>
+          </p:cNvCxnSpPr>
+          <p:nvPr/>
+        </p:nvCxnSpPr>
+        <p:spPr>
+          <a:xfrm>
+            <a:off x="6165504" y="2245687"/>
+            <a:ext cx="669405" cy="0"/>
+          </a:xfrm>
+          <a:prstGeom prst="straightConnector1">
+            <a:avLst/>
+          </a:prstGeom>
+          <a:ln>
+            <a:headEnd type="oval"/>
+            <a:tailEnd type="triangle"/>
+          </a:ln>
+        </p:spPr>
+        <p:style>
+          <a:lnRef idx="1">
+            <a:schemeClr val="dk1"/>
+          </a:lnRef>
+          <a:fillRef idx="0">
+            <a:schemeClr val="dk1"/>
+          </a:fillRef>
+          <a:effectRef idx="0">
+            <a:schemeClr val="dk1"/>
+          </a:effectRef>
+          <a:fontRef idx="minor">
+            <a:schemeClr val="tx1"/>
+          </a:fontRef>
+        </p:style>
+      </p:cxnSp>
+      <p:cxnSp>
+        <p:nvCxnSpPr>
+          <p:cNvPr id="29" name="직선 연결선 28">
+            <a:extLst>
+              <a:ext uri="{FF2B5EF4-FFF2-40B4-BE49-F238E27FC236}">
+                <a16:creationId xmlns:a16="http://schemas.microsoft.com/office/drawing/2014/main" id="{C7D7D9E5-E955-4CE6-894D-84F7BDADCEEB}"/>
+              </a:ext>
+            </a:extLst>
+          </p:cNvPr>
+          <p:cNvCxnSpPr/>
+          <p:nvPr/>
+        </p:nvCxnSpPr>
+        <p:spPr>
+          <a:xfrm>
+            <a:off x="5074005" y="1814800"/>
+            <a:ext cx="0" cy="861774"/>
+          </a:xfrm>
+          <a:prstGeom prst="line">
+            <a:avLst/>
+          </a:prstGeom>
+        </p:spPr>
+        <p:style>
+          <a:lnRef idx="1">
+            <a:schemeClr val="dk1"/>
+          </a:lnRef>
+          <a:fillRef idx="0">
+            <a:schemeClr val="dk1"/>
+          </a:fillRef>
+          <a:effectRef idx="0">
+            <a:schemeClr val="dk1"/>
+          </a:effectRef>
+          <a:fontRef idx="minor">
+            <a:schemeClr val="tx1"/>
+          </a:fontRef>
+        </p:style>
+      </p:cxnSp>
+      <p:sp>
+        <p:nvSpPr>
+          <p:cNvPr id="30" name="TextBox 29">
+            <a:extLst>
+              <a:ext uri="{FF2B5EF4-FFF2-40B4-BE49-F238E27FC236}">
+                <a16:creationId xmlns:a16="http://schemas.microsoft.com/office/drawing/2014/main" id="{D83DDF70-5864-475D-8AE3-564DB3C18A06}"/>
+              </a:ext>
+            </a:extLst>
+          </p:cNvPr>
+          <p:cNvSpPr txBox="1"/>
+          <p:nvPr/>
+        </p:nvSpPr>
+        <p:spPr>
+          <a:xfrm>
+            <a:off x="5163761" y="1814800"/>
+            <a:ext cx="889987" cy="861774"/>
+          </a:xfrm>
+          <a:prstGeom prst="rect">
+            <a:avLst/>
+          </a:prstGeom>
+          <a:noFill/>
+        </p:spPr>
+        <p:txBody>
+          <a:bodyPr wrap="none" rtlCol="0">
+            <a:spAutoFit/>
+          </a:bodyPr>
+          <a:lstStyle/>
+          <a:p>
+            <a:r>
+              <a:rPr lang="en-US" altLang="ko-KR" sz="5000" dirty="0"/>
+              <a:t>20</a:t>
+            </a:r>
+            <a:endParaRPr lang="ko-KR" altLang="en-US" sz="5000" dirty="0"/>
+          </a:p>
+        </p:txBody>
+      </p:sp>
+      <p:sp>
+        <p:nvSpPr>
+          <p:cNvPr id="35" name="직사각형 34">
+            <a:extLst>
+              <a:ext uri="{FF2B5EF4-FFF2-40B4-BE49-F238E27FC236}">
+                <a16:creationId xmlns:a16="http://schemas.microsoft.com/office/drawing/2014/main" id="{646A0016-D0CB-415A-80DD-3123AE44C370}"/>
+              </a:ext>
+            </a:extLst>
+          </p:cNvPr>
+          <p:cNvSpPr/>
+          <p:nvPr/>
+        </p:nvSpPr>
+        <p:spPr>
+          <a:xfrm>
+            <a:off x="6814165" y="1829375"/>
+            <a:ext cx="3395267" cy="861774"/>
+          </a:xfrm>
+          <a:prstGeom prst="rect">
+            <a:avLst/>
+          </a:prstGeom>
+          <a:noFill/>
+          <a:ln>
+            <a:solidFill>
+              <a:schemeClr val="tx1"/>
+            </a:solidFill>
+          </a:ln>
+        </p:spPr>
+        <p:style>
+          <a:lnRef idx="2">
+            <a:schemeClr val="accent1">
+              <a:shade val="50000"/>
+            </a:schemeClr>
+          </a:lnRef>
+          <a:fillRef idx="1">
+            <a:schemeClr val="accent1"/>
+          </a:fillRef>
+          <a:effectRef idx="0">
+            <a:schemeClr val="accent1"/>
+          </a:effectRef>
+          <a:fontRef idx="minor">
+            <a:schemeClr val="lt1"/>
+          </a:fontRef>
+        </p:style>
+        <p:txBody>
+          <a:bodyPr rtlCol="0" anchor="ctr"/>
+          <a:lstStyle/>
+          <a:p>
+            <a:pPr algn="ctr"/>
+            <a:endParaRPr lang="ko-KR" altLang="en-US"/>
+          </a:p>
+        </p:txBody>
+      </p:sp>
+      <p:cxnSp>
+        <p:nvCxnSpPr>
+          <p:cNvPr id="36" name="직선 연결선 35">
+            <a:extLst>
+              <a:ext uri="{FF2B5EF4-FFF2-40B4-BE49-F238E27FC236}">
+                <a16:creationId xmlns:a16="http://schemas.microsoft.com/office/drawing/2014/main" id="{54C0DB01-B8F8-453F-A05E-25604FF55950}"/>
+              </a:ext>
+            </a:extLst>
+          </p:cNvPr>
+          <p:cNvCxnSpPr/>
+          <p:nvPr/>
+        </p:nvCxnSpPr>
+        <p:spPr>
+          <a:xfrm>
+            <a:off x="8023421" y="1829375"/>
+            <a:ext cx="0" cy="861774"/>
+          </a:xfrm>
+          <a:prstGeom prst="line">
+            <a:avLst/>
+          </a:prstGeom>
+        </p:spPr>
+        <p:style>
+          <a:lnRef idx="1">
+            <a:schemeClr val="dk1"/>
+          </a:lnRef>
+          <a:fillRef idx="0">
+            <a:schemeClr val="dk1"/>
+          </a:fillRef>
+          <a:effectRef idx="0">
+            <a:schemeClr val="dk1"/>
+          </a:effectRef>
+          <a:fontRef idx="minor">
+            <a:schemeClr val="tx1"/>
+          </a:fontRef>
+        </p:style>
+      </p:cxnSp>
+      <p:sp>
+        <p:nvSpPr>
+          <p:cNvPr id="37" name="TextBox 36">
+            <a:extLst>
+              <a:ext uri="{FF2B5EF4-FFF2-40B4-BE49-F238E27FC236}">
+                <a16:creationId xmlns:a16="http://schemas.microsoft.com/office/drawing/2014/main" id="{F32398F8-3497-431C-9524-2A7EFDBEFF87}"/>
+              </a:ext>
+            </a:extLst>
+          </p:cNvPr>
+          <p:cNvSpPr txBox="1"/>
+          <p:nvPr/>
+        </p:nvSpPr>
+        <p:spPr>
+          <a:xfrm>
+            <a:off x="8279742" y="1829375"/>
+            <a:ext cx="558166" cy="861774"/>
+          </a:xfrm>
+          <a:prstGeom prst="rect">
+            <a:avLst/>
+          </a:prstGeom>
+          <a:noFill/>
+        </p:spPr>
+        <p:txBody>
+          <a:bodyPr wrap="none" rtlCol="0">
+            <a:spAutoFit/>
+          </a:bodyPr>
+          <a:lstStyle/>
+          <a:p>
+            <a:r>
+              <a:rPr lang="en-US" altLang="ko-KR" sz="5000" dirty="0"/>
+              <a:t>B</a:t>
+            </a:r>
+            <a:endParaRPr lang="ko-KR" altLang="en-US" sz="5000" dirty="0"/>
+          </a:p>
+        </p:txBody>
+      </p:sp>
+      <p:sp>
+        <p:nvSpPr>
+          <p:cNvPr id="38" name="TextBox 37">
+            <a:extLst>
+              <a:ext uri="{FF2B5EF4-FFF2-40B4-BE49-F238E27FC236}">
+                <a16:creationId xmlns:a16="http://schemas.microsoft.com/office/drawing/2014/main" id="{77A54F32-5219-4432-9A5E-2B4CAFF05AFA}"/>
+              </a:ext>
+            </a:extLst>
+          </p:cNvPr>
+          <p:cNvSpPr txBox="1"/>
+          <p:nvPr/>
+        </p:nvSpPr>
+        <p:spPr>
+          <a:xfrm>
+            <a:off x="6982188" y="1829375"/>
+            <a:ext cx="889987" cy="861774"/>
+          </a:xfrm>
+          <a:prstGeom prst="rect">
+            <a:avLst/>
+          </a:prstGeom>
+          <a:noFill/>
+        </p:spPr>
+        <p:txBody>
+          <a:bodyPr wrap="none" rtlCol="0">
+            <a:spAutoFit/>
+          </a:bodyPr>
+          <a:lstStyle/>
+          <a:p>
+            <a:r>
+              <a:rPr lang="en-US" altLang="ko-KR" sz="5000" dirty="0"/>
+              <a:t>10</a:t>
+            </a:r>
+            <a:endParaRPr lang="ko-KR" altLang="en-US" sz="5000" dirty="0"/>
+          </a:p>
+        </p:txBody>
+      </p:sp>
+      <p:sp>
+        <p:nvSpPr>
+          <p:cNvPr id="39" name="TextBox 38">
+            <a:extLst>
+              <a:ext uri="{FF2B5EF4-FFF2-40B4-BE49-F238E27FC236}">
+                <a16:creationId xmlns:a16="http://schemas.microsoft.com/office/drawing/2014/main" id="{46FA1655-0374-4010-B1A3-838F01DB8E4F}"/>
+              </a:ext>
+            </a:extLst>
+          </p:cNvPr>
+          <p:cNvSpPr txBox="1"/>
+          <p:nvPr/>
+        </p:nvSpPr>
+        <p:spPr>
+          <a:xfrm>
+            <a:off x="8023421" y="2754136"/>
+            <a:ext cx="1178528" cy="477054"/>
+          </a:xfrm>
+          <a:prstGeom prst="rect">
+            <a:avLst/>
+          </a:prstGeom>
+          <a:noFill/>
+        </p:spPr>
+        <p:txBody>
+          <a:bodyPr wrap="none" rtlCol="0">
+            <a:spAutoFit/>
+          </a:bodyPr>
+          <a:lstStyle/>
+          <a:p>
+            <a:r>
+              <a:rPr lang="en-US" altLang="ko-KR" sz="2500" dirty="0"/>
+              <a:t>20</a:t>
+            </a:r>
+            <a:r>
+              <a:rPr lang="ko-KR" altLang="en-US" sz="2500" dirty="0"/>
+              <a:t>번지</a:t>
+            </a:r>
+          </a:p>
+        </p:txBody>
+      </p:sp>
+      <p:cxnSp>
+        <p:nvCxnSpPr>
+          <p:cNvPr id="40" name="직선 연결선 39">
+            <a:extLst>
+              <a:ext uri="{FF2B5EF4-FFF2-40B4-BE49-F238E27FC236}">
+                <a16:creationId xmlns:a16="http://schemas.microsoft.com/office/drawing/2014/main" id="{0C9D692D-29FA-4F1E-878E-5F8C958B4692}"/>
+              </a:ext>
+            </a:extLst>
+          </p:cNvPr>
+          <p:cNvCxnSpPr/>
+          <p:nvPr/>
+        </p:nvCxnSpPr>
+        <p:spPr>
+          <a:xfrm>
+            <a:off x="9117933" y="1829375"/>
+            <a:ext cx="0" cy="861774"/>
+          </a:xfrm>
+          <a:prstGeom prst="line">
+            <a:avLst/>
+          </a:prstGeom>
+        </p:spPr>
+        <p:style>
+          <a:lnRef idx="1">
+            <a:schemeClr val="dk1"/>
+          </a:lnRef>
+          <a:fillRef idx="0">
+            <a:schemeClr val="dk1"/>
+          </a:fillRef>
+          <a:effectRef idx="0">
+            <a:schemeClr val="dk1"/>
+          </a:effectRef>
+          <a:fontRef idx="minor">
+            <a:schemeClr val="tx1"/>
+          </a:fontRef>
+        </p:style>
+      </p:cxnSp>
+      <p:sp>
+        <p:nvSpPr>
+          <p:cNvPr id="43" name="TextBox 42">
+            <a:extLst>
+              <a:ext uri="{FF2B5EF4-FFF2-40B4-BE49-F238E27FC236}">
+                <a16:creationId xmlns:a16="http://schemas.microsoft.com/office/drawing/2014/main" id="{E95F4A75-5277-48D2-8A24-899826F27081}"/>
+              </a:ext>
+            </a:extLst>
+          </p:cNvPr>
+          <p:cNvSpPr txBox="1"/>
+          <p:nvPr/>
+        </p:nvSpPr>
+        <p:spPr>
+          <a:xfrm>
+            <a:off x="9207689" y="1829375"/>
+            <a:ext cx="889987" cy="861774"/>
+          </a:xfrm>
+          <a:prstGeom prst="rect">
+            <a:avLst/>
+          </a:prstGeom>
+          <a:noFill/>
+        </p:spPr>
+        <p:txBody>
+          <a:bodyPr wrap="none" rtlCol="0">
+            <a:spAutoFit/>
+          </a:bodyPr>
+          <a:lstStyle/>
+          <a:p>
+            <a:r>
+              <a:rPr lang="en-US" altLang="ko-KR" sz="5000" dirty="0"/>
+              <a:t>30</a:t>
+            </a:r>
+            <a:endParaRPr lang="ko-KR" altLang="en-US" sz="5000" dirty="0"/>
+          </a:p>
+        </p:txBody>
+      </p:sp>
+      <p:sp>
+        <p:nvSpPr>
+          <p:cNvPr id="53" name="직사각형 52">
+            <a:extLst>
+              <a:ext uri="{FF2B5EF4-FFF2-40B4-BE49-F238E27FC236}">
+                <a16:creationId xmlns:a16="http://schemas.microsoft.com/office/drawing/2014/main" id="{8C053C8E-4DD6-4027-9667-BBF33AAAB39C}"/>
+              </a:ext>
+            </a:extLst>
+          </p:cNvPr>
+          <p:cNvSpPr/>
+          <p:nvPr/>
+        </p:nvSpPr>
+        <p:spPr>
+          <a:xfrm>
+            <a:off x="6834909" y="4069193"/>
+            <a:ext cx="3395267" cy="861774"/>
+          </a:xfrm>
+          <a:prstGeom prst="rect">
+            <a:avLst/>
+          </a:prstGeom>
+          <a:noFill/>
+          <a:ln>
+            <a:solidFill>
+              <a:schemeClr val="tx1"/>
+            </a:solidFill>
+          </a:ln>
+        </p:spPr>
+        <p:style>
+          <a:lnRef idx="2">
+            <a:schemeClr val="accent1">
+              <a:shade val="50000"/>
+            </a:schemeClr>
+          </a:lnRef>
+          <a:fillRef idx="1">
+            <a:schemeClr val="accent1"/>
+          </a:fillRef>
+          <a:effectRef idx="0">
+            <a:schemeClr val="accent1"/>
+          </a:effectRef>
+          <a:fontRef idx="minor">
+            <a:schemeClr val="lt1"/>
+          </a:fontRef>
+        </p:style>
+        <p:txBody>
+          <a:bodyPr rtlCol="0" anchor="ctr"/>
+          <a:lstStyle/>
+          <a:p>
+            <a:pPr algn="ctr"/>
+            <a:endParaRPr lang="ko-KR" altLang="en-US"/>
+          </a:p>
+        </p:txBody>
+      </p:sp>
+      <p:cxnSp>
+        <p:nvCxnSpPr>
+          <p:cNvPr id="58" name="직선 연결선 57">
+            <a:extLst>
+              <a:ext uri="{FF2B5EF4-FFF2-40B4-BE49-F238E27FC236}">
+                <a16:creationId xmlns:a16="http://schemas.microsoft.com/office/drawing/2014/main" id="{46848D5E-09FB-4C8D-910A-E6F66AEBABD3}"/>
+              </a:ext>
+            </a:extLst>
+          </p:cNvPr>
+          <p:cNvCxnSpPr/>
+          <p:nvPr/>
+        </p:nvCxnSpPr>
+        <p:spPr>
+          <a:xfrm>
+            <a:off x="8044165" y="4069193"/>
+            <a:ext cx="0" cy="861774"/>
+          </a:xfrm>
+          <a:prstGeom prst="line">
+            <a:avLst/>
+          </a:prstGeom>
+        </p:spPr>
+        <p:style>
+          <a:lnRef idx="1">
+            <a:schemeClr val="dk1"/>
+          </a:lnRef>
+          <a:fillRef idx="0">
+            <a:schemeClr val="dk1"/>
+          </a:fillRef>
+          <a:effectRef idx="0">
+            <a:schemeClr val="dk1"/>
+          </a:effectRef>
+          <a:fontRef idx="minor">
+            <a:schemeClr val="tx1"/>
+          </a:fontRef>
+        </p:style>
+      </p:cxnSp>
+      <p:sp>
+        <p:nvSpPr>
+          <p:cNvPr id="60" name="TextBox 59">
+            <a:extLst>
+              <a:ext uri="{FF2B5EF4-FFF2-40B4-BE49-F238E27FC236}">
+                <a16:creationId xmlns:a16="http://schemas.microsoft.com/office/drawing/2014/main" id="{E4065D4E-4491-485C-86AF-C0841EBEDA11}"/>
+              </a:ext>
+            </a:extLst>
+          </p:cNvPr>
+          <p:cNvSpPr txBox="1"/>
+          <p:nvPr/>
+        </p:nvSpPr>
+        <p:spPr>
+          <a:xfrm>
+            <a:off x="8300486" y="4069193"/>
+            <a:ext cx="591829" cy="861774"/>
+          </a:xfrm>
+          <a:prstGeom prst="rect">
+            <a:avLst/>
+          </a:prstGeom>
+          <a:noFill/>
+        </p:spPr>
+        <p:txBody>
+          <a:bodyPr wrap="none" rtlCol="0">
+            <a:spAutoFit/>
+          </a:bodyPr>
+          <a:lstStyle/>
+          <a:p>
+            <a:r>
+              <a:rPr lang="en-US" altLang="ko-KR" sz="5000" dirty="0"/>
+              <a:t>C</a:t>
+            </a:r>
+            <a:endParaRPr lang="ko-KR" altLang="en-US" sz="5000" dirty="0"/>
+          </a:p>
+        </p:txBody>
+      </p:sp>
+      <p:sp>
+        <p:nvSpPr>
+          <p:cNvPr id="61" name="TextBox 60">
+            <a:extLst>
+              <a:ext uri="{FF2B5EF4-FFF2-40B4-BE49-F238E27FC236}">
+                <a16:creationId xmlns:a16="http://schemas.microsoft.com/office/drawing/2014/main" id="{C66C44BC-FDDE-4799-81F2-99AAB27B8CD8}"/>
+              </a:ext>
+            </a:extLst>
+          </p:cNvPr>
+          <p:cNvSpPr txBox="1"/>
+          <p:nvPr/>
+        </p:nvSpPr>
+        <p:spPr>
+          <a:xfrm>
+            <a:off x="7002932" y="4069193"/>
+            <a:ext cx="889987" cy="861774"/>
+          </a:xfrm>
+          <a:prstGeom prst="rect">
+            <a:avLst/>
+          </a:prstGeom>
+          <a:noFill/>
+        </p:spPr>
+        <p:txBody>
+          <a:bodyPr wrap="none" rtlCol="0">
+            <a:spAutoFit/>
+          </a:bodyPr>
+          <a:lstStyle/>
+          <a:p>
+            <a:r>
+              <a:rPr lang="en-US" altLang="ko-KR" sz="5000" dirty="0"/>
+              <a:t>40</a:t>
+            </a:r>
+            <a:endParaRPr lang="ko-KR" altLang="en-US" sz="5000" dirty="0"/>
+          </a:p>
+        </p:txBody>
+      </p:sp>
+      <p:sp>
+        <p:nvSpPr>
+          <p:cNvPr id="62" name="TextBox 61">
+            <a:extLst>
+              <a:ext uri="{FF2B5EF4-FFF2-40B4-BE49-F238E27FC236}">
+                <a16:creationId xmlns:a16="http://schemas.microsoft.com/office/drawing/2014/main" id="{4E6275FD-AF21-483C-A00E-14B878082F4D}"/>
+              </a:ext>
+            </a:extLst>
+          </p:cNvPr>
+          <p:cNvSpPr txBox="1"/>
+          <p:nvPr/>
+        </p:nvSpPr>
+        <p:spPr>
+          <a:xfrm>
+            <a:off x="8044165" y="4993954"/>
+            <a:ext cx="1178528" cy="477054"/>
+          </a:xfrm>
+          <a:prstGeom prst="rect">
+            <a:avLst/>
+          </a:prstGeom>
+          <a:noFill/>
+        </p:spPr>
+        <p:txBody>
+          <a:bodyPr wrap="none" rtlCol="0">
+            <a:spAutoFit/>
+          </a:bodyPr>
+          <a:lstStyle/>
+          <a:p>
+            <a:r>
+              <a:rPr lang="en-US" altLang="ko-KR" sz="2500" dirty="0"/>
+              <a:t>30</a:t>
+            </a:r>
+            <a:r>
+              <a:rPr lang="ko-KR" altLang="en-US" sz="2500" dirty="0"/>
+              <a:t>번지</a:t>
+            </a:r>
+          </a:p>
+        </p:txBody>
+      </p:sp>
+      <p:cxnSp>
+        <p:nvCxnSpPr>
+          <p:cNvPr id="63" name="직선 연결선 62">
+            <a:extLst>
+              <a:ext uri="{FF2B5EF4-FFF2-40B4-BE49-F238E27FC236}">
+                <a16:creationId xmlns:a16="http://schemas.microsoft.com/office/drawing/2014/main" id="{D7890814-A58C-4A68-9C0D-E34B2BC40CD9}"/>
+              </a:ext>
+            </a:extLst>
+          </p:cNvPr>
+          <p:cNvCxnSpPr/>
+          <p:nvPr/>
+        </p:nvCxnSpPr>
+        <p:spPr>
+          <a:xfrm>
+            <a:off x="9138677" y="4069193"/>
+            <a:ext cx="0" cy="861774"/>
+          </a:xfrm>
+          <a:prstGeom prst="line">
+            <a:avLst/>
+          </a:prstGeom>
+        </p:spPr>
+        <p:style>
+          <a:lnRef idx="1">
+            <a:schemeClr val="dk1"/>
+          </a:lnRef>
+          <a:fillRef idx="0">
+            <a:schemeClr val="dk1"/>
+          </a:fillRef>
+          <a:effectRef idx="0">
+            <a:schemeClr val="dk1"/>
+          </a:effectRef>
+          <a:fontRef idx="minor">
+            <a:schemeClr val="tx1"/>
+          </a:fontRef>
+        </p:style>
+      </p:cxnSp>
+      <p:sp>
+        <p:nvSpPr>
+          <p:cNvPr id="64" name="TextBox 63">
+            <a:extLst>
+              <a:ext uri="{FF2B5EF4-FFF2-40B4-BE49-F238E27FC236}">
+                <a16:creationId xmlns:a16="http://schemas.microsoft.com/office/drawing/2014/main" id="{4A6471C0-8B50-42D7-8A92-673C7C64BA6C}"/>
+              </a:ext>
+            </a:extLst>
+          </p:cNvPr>
+          <p:cNvSpPr txBox="1"/>
+          <p:nvPr/>
+        </p:nvSpPr>
+        <p:spPr>
+          <a:xfrm>
+            <a:off x="9228433" y="4069193"/>
+            <a:ext cx="889987" cy="861774"/>
+          </a:xfrm>
+          <a:prstGeom prst="rect">
+            <a:avLst/>
+          </a:prstGeom>
+          <a:noFill/>
+        </p:spPr>
+        <p:txBody>
+          <a:bodyPr wrap="none" rtlCol="0">
+            <a:spAutoFit/>
+          </a:bodyPr>
+          <a:lstStyle/>
+          <a:p>
+            <a:r>
+              <a:rPr lang="en-US" altLang="ko-KR" sz="5000" dirty="0"/>
+              <a:t>20</a:t>
+            </a:r>
+            <a:endParaRPr lang="ko-KR" altLang="en-US" sz="5000" dirty="0"/>
+          </a:p>
+        </p:txBody>
+      </p:sp>
+      <p:sp>
+        <p:nvSpPr>
+          <p:cNvPr id="65" name="직사각형 64">
+            <a:extLst>
+              <a:ext uri="{FF2B5EF4-FFF2-40B4-BE49-F238E27FC236}">
+                <a16:creationId xmlns:a16="http://schemas.microsoft.com/office/drawing/2014/main" id="{F47DBBC4-E368-440A-9C5E-A34DA32F82EF}"/>
+              </a:ext>
+            </a:extLst>
+          </p:cNvPr>
+          <p:cNvSpPr/>
+          <p:nvPr/>
+        </p:nvSpPr>
+        <p:spPr>
+          <a:xfrm>
+            <a:off x="2770237" y="4069193"/>
+            <a:ext cx="3395267" cy="861774"/>
+          </a:xfrm>
+          <a:prstGeom prst="rect">
+            <a:avLst/>
+          </a:prstGeom>
+          <a:noFill/>
+          <a:ln>
+            <a:solidFill>
+              <a:schemeClr val="tx1"/>
+            </a:solidFill>
+          </a:ln>
+        </p:spPr>
+        <p:style>
+          <a:lnRef idx="2">
+            <a:schemeClr val="accent1">
+              <a:shade val="50000"/>
+            </a:schemeClr>
+          </a:lnRef>
+          <a:fillRef idx="1">
+            <a:schemeClr val="accent1"/>
+          </a:fillRef>
+          <a:effectRef idx="0">
+            <a:schemeClr val="accent1"/>
+          </a:effectRef>
+          <a:fontRef idx="minor">
+            <a:schemeClr val="lt1"/>
+          </a:fontRef>
+        </p:style>
+        <p:txBody>
+          <a:bodyPr rtlCol="0" anchor="ctr"/>
+          <a:lstStyle/>
+          <a:p>
+            <a:pPr algn="ctr"/>
+            <a:endParaRPr lang="ko-KR" altLang="en-US"/>
+          </a:p>
+        </p:txBody>
+      </p:sp>
+      <p:cxnSp>
+        <p:nvCxnSpPr>
+          <p:cNvPr id="66" name="직선 연결선 65">
+            <a:extLst>
+              <a:ext uri="{FF2B5EF4-FFF2-40B4-BE49-F238E27FC236}">
+                <a16:creationId xmlns:a16="http://schemas.microsoft.com/office/drawing/2014/main" id="{C5746307-56E6-48AA-A1D9-A38FFEB5A067}"/>
+              </a:ext>
+            </a:extLst>
+          </p:cNvPr>
+          <p:cNvCxnSpPr/>
+          <p:nvPr/>
+        </p:nvCxnSpPr>
+        <p:spPr>
+          <a:xfrm>
+            <a:off x="3979493" y="4069193"/>
+            <a:ext cx="0" cy="861774"/>
+          </a:xfrm>
+          <a:prstGeom prst="line">
+            <a:avLst/>
+          </a:prstGeom>
+        </p:spPr>
+        <p:style>
+          <a:lnRef idx="1">
+            <a:schemeClr val="dk1"/>
+          </a:lnRef>
+          <a:fillRef idx="0">
+            <a:schemeClr val="dk1"/>
+          </a:fillRef>
+          <a:effectRef idx="0">
+            <a:schemeClr val="dk1"/>
+          </a:effectRef>
+          <a:fontRef idx="minor">
+            <a:schemeClr val="tx1"/>
+          </a:fontRef>
+        </p:style>
+      </p:cxnSp>
+      <p:sp>
+        <p:nvSpPr>
+          <p:cNvPr id="67" name="TextBox 66">
+            <a:extLst>
+              <a:ext uri="{FF2B5EF4-FFF2-40B4-BE49-F238E27FC236}">
+                <a16:creationId xmlns:a16="http://schemas.microsoft.com/office/drawing/2014/main" id="{155B9366-AD6C-4152-8F3B-65BE89A57CE5}"/>
+              </a:ext>
+            </a:extLst>
+          </p:cNvPr>
+          <p:cNvSpPr txBox="1"/>
+          <p:nvPr/>
+        </p:nvSpPr>
+        <p:spPr>
+          <a:xfrm>
+            <a:off x="4235814" y="4069193"/>
+            <a:ext cx="644728" cy="861774"/>
+          </a:xfrm>
+          <a:prstGeom prst="rect">
+            <a:avLst/>
+          </a:prstGeom>
+          <a:noFill/>
+        </p:spPr>
+        <p:txBody>
+          <a:bodyPr wrap="none" rtlCol="0">
+            <a:spAutoFit/>
+          </a:bodyPr>
+          <a:lstStyle/>
+          <a:p>
+            <a:r>
+              <a:rPr lang="en-US" altLang="ko-KR" sz="5000" dirty="0"/>
+              <a:t>D</a:t>
+            </a:r>
+            <a:endParaRPr lang="ko-KR" altLang="en-US" sz="5000" dirty="0"/>
+          </a:p>
+        </p:txBody>
+      </p:sp>
+      <p:sp>
+        <p:nvSpPr>
+          <p:cNvPr id="69" name="TextBox 68">
+            <a:extLst>
+              <a:ext uri="{FF2B5EF4-FFF2-40B4-BE49-F238E27FC236}">
+                <a16:creationId xmlns:a16="http://schemas.microsoft.com/office/drawing/2014/main" id="{F73483E2-1002-42B6-BDC6-E2FDA2169758}"/>
+              </a:ext>
+            </a:extLst>
+          </p:cNvPr>
+          <p:cNvSpPr txBox="1"/>
+          <p:nvPr/>
+        </p:nvSpPr>
+        <p:spPr>
+          <a:xfrm>
+            <a:off x="3979493" y="4993954"/>
+            <a:ext cx="1178528" cy="477054"/>
+          </a:xfrm>
+          <a:prstGeom prst="rect">
+            <a:avLst/>
+          </a:prstGeom>
+          <a:noFill/>
+        </p:spPr>
+        <p:txBody>
+          <a:bodyPr wrap="none" rtlCol="0">
+            <a:spAutoFit/>
+          </a:bodyPr>
+          <a:lstStyle/>
+          <a:p>
+            <a:r>
+              <a:rPr lang="en-US" altLang="ko-KR" sz="2500" dirty="0"/>
+              <a:t>40</a:t>
+            </a:r>
+            <a:r>
+              <a:rPr lang="ko-KR" altLang="en-US" sz="2500" dirty="0"/>
+              <a:t>번지</a:t>
+            </a:r>
+          </a:p>
+        </p:txBody>
+      </p:sp>
+      <p:cxnSp>
+        <p:nvCxnSpPr>
+          <p:cNvPr id="70" name="직선 연결선 69">
+            <a:extLst>
+              <a:ext uri="{FF2B5EF4-FFF2-40B4-BE49-F238E27FC236}">
+                <a16:creationId xmlns:a16="http://schemas.microsoft.com/office/drawing/2014/main" id="{0D65E650-83D2-4E57-8ECE-5027A60EF001}"/>
+              </a:ext>
+            </a:extLst>
+          </p:cNvPr>
+          <p:cNvCxnSpPr/>
+          <p:nvPr/>
+        </p:nvCxnSpPr>
+        <p:spPr>
+          <a:xfrm>
+            <a:off x="5074005" y="4069193"/>
+            <a:ext cx="0" cy="861774"/>
+          </a:xfrm>
+          <a:prstGeom prst="line">
+            <a:avLst/>
+          </a:prstGeom>
+        </p:spPr>
+        <p:style>
+          <a:lnRef idx="1">
+            <a:schemeClr val="dk1"/>
+          </a:lnRef>
+          <a:fillRef idx="0">
+            <a:schemeClr val="dk1"/>
+          </a:fillRef>
+          <a:effectRef idx="0">
+            <a:schemeClr val="dk1"/>
+          </a:effectRef>
+          <a:fontRef idx="minor">
+            <a:schemeClr val="tx1"/>
+          </a:fontRef>
+        </p:style>
+      </p:cxnSp>
+      <p:sp>
+        <p:nvSpPr>
+          <p:cNvPr id="71" name="TextBox 70">
+            <a:extLst>
+              <a:ext uri="{FF2B5EF4-FFF2-40B4-BE49-F238E27FC236}">
+                <a16:creationId xmlns:a16="http://schemas.microsoft.com/office/drawing/2014/main" id="{D257F3FD-F36C-4EDC-8E26-6ED636BE94A4}"/>
+              </a:ext>
+            </a:extLst>
+          </p:cNvPr>
+          <p:cNvSpPr txBox="1"/>
+          <p:nvPr/>
+        </p:nvSpPr>
+        <p:spPr>
+          <a:xfrm>
+            <a:off x="5163761" y="4069193"/>
+            <a:ext cx="889987" cy="861774"/>
+          </a:xfrm>
+          <a:prstGeom prst="rect">
+            <a:avLst/>
+          </a:prstGeom>
+          <a:noFill/>
+        </p:spPr>
+        <p:txBody>
+          <a:bodyPr wrap="none" rtlCol="0">
+            <a:spAutoFit/>
+          </a:bodyPr>
+          <a:lstStyle/>
+          <a:p>
+            <a:r>
+              <a:rPr lang="en-US" altLang="ko-KR" sz="5000" dirty="0"/>
+              <a:t>30</a:t>
+            </a:r>
+            <a:endParaRPr lang="ko-KR" altLang="en-US" sz="5000" dirty="0"/>
+          </a:p>
+        </p:txBody>
+      </p:sp>
+      <p:sp>
+        <p:nvSpPr>
+          <p:cNvPr id="72" name="TextBox 71">
+            <a:extLst>
+              <a:ext uri="{FF2B5EF4-FFF2-40B4-BE49-F238E27FC236}">
+                <a16:creationId xmlns:a16="http://schemas.microsoft.com/office/drawing/2014/main" id="{6E7C800F-C6C3-4893-83CA-43E2C81BF23E}"/>
+              </a:ext>
+            </a:extLst>
+          </p:cNvPr>
+          <p:cNvSpPr txBox="1"/>
+          <p:nvPr/>
+        </p:nvSpPr>
+        <p:spPr>
+          <a:xfrm>
+            <a:off x="2698115" y="4072979"/>
+            <a:ext cx="1359668" cy="861774"/>
+          </a:xfrm>
+          <a:prstGeom prst="rect">
+            <a:avLst/>
+          </a:prstGeom>
+          <a:noFill/>
+        </p:spPr>
+        <p:txBody>
+          <a:bodyPr wrap="none" rtlCol="0">
+            <a:spAutoFit/>
+          </a:bodyPr>
+          <a:lstStyle/>
+          <a:p>
+            <a:r>
+              <a:rPr lang="en-US" altLang="ko-KR" sz="5000" dirty="0"/>
+              <a:t>Null</a:t>
+            </a:r>
+            <a:endParaRPr lang="ko-KR" altLang="en-US" sz="5000" dirty="0"/>
+          </a:p>
+        </p:txBody>
+      </p:sp>
+      <p:cxnSp>
+        <p:nvCxnSpPr>
+          <p:cNvPr id="19" name="연결선: 꺾임 18">
+            <a:extLst>
+              <a:ext uri="{FF2B5EF4-FFF2-40B4-BE49-F238E27FC236}">
+                <a16:creationId xmlns:a16="http://schemas.microsoft.com/office/drawing/2014/main" id="{ACDBD3F4-B5DE-4CC3-AF59-92E19599B7E7}"/>
+              </a:ext>
+            </a:extLst>
+          </p:cNvPr>
+          <p:cNvCxnSpPr>
+            <a:stCxn id="35" idx="3"/>
+            <a:endCxn id="53" idx="3"/>
+          </p:cNvCxnSpPr>
+          <p:nvPr/>
+        </p:nvCxnSpPr>
+        <p:spPr>
+          <a:xfrm>
+            <a:off x="10209432" y="2260262"/>
+            <a:ext cx="20744" cy="2239818"/>
+          </a:xfrm>
+          <a:prstGeom prst="bentConnector3">
+            <a:avLst>
+              <a:gd name="adj1" fmla="val 3980978"/>
+            </a:avLst>
+          </a:prstGeom>
+          <a:ln>
+            <a:headEnd type="oval"/>
+            <a:tailEnd type="triangle"/>
+          </a:ln>
+        </p:spPr>
+        <p:style>
+          <a:lnRef idx="1">
+            <a:schemeClr val="dk1"/>
+          </a:lnRef>
+          <a:fillRef idx="0">
+            <a:schemeClr val="dk1"/>
+          </a:fillRef>
+          <a:effectRef idx="0">
+            <a:schemeClr val="dk1"/>
+          </a:effectRef>
+          <a:fontRef idx="minor">
+            <a:schemeClr val="tx1"/>
+          </a:fontRef>
+        </p:style>
+      </p:cxnSp>
+      <p:cxnSp>
+        <p:nvCxnSpPr>
+          <p:cNvPr id="21" name="직선 화살표 연결선 20">
+            <a:extLst>
+              <a:ext uri="{FF2B5EF4-FFF2-40B4-BE49-F238E27FC236}">
+                <a16:creationId xmlns:a16="http://schemas.microsoft.com/office/drawing/2014/main" id="{557974C5-12B6-4FDA-B0B6-2DD43BE67922}"/>
+              </a:ext>
+            </a:extLst>
+          </p:cNvPr>
+          <p:cNvCxnSpPr>
+            <a:stCxn id="53" idx="1"/>
+            <a:endCxn id="65" idx="3"/>
+          </p:cNvCxnSpPr>
+          <p:nvPr/>
+        </p:nvCxnSpPr>
+        <p:spPr>
+          <a:xfrm flipH="1">
+            <a:off x="6165504" y="4500080"/>
+            <a:ext cx="669405" cy="0"/>
+          </a:xfrm>
+          <a:prstGeom prst="straightConnector1">
+            <a:avLst/>
+          </a:prstGeom>
+          <a:ln>
+            <a:headEnd type="oval"/>
+            <a:tailEnd type="triangle"/>
+          </a:ln>
+        </p:spPr>
+        <p:style>
+          <a:lnRef idx="1">
+            <a:schemeClr val="dk1"/>
+          </a:lnRef>
+          <a:fillRef idx="0">
+            <a:schemeClr val="dk1"/>
+          </a:fillRef>
+          <a:effectRef idx="0">
+            <a:schemeClr val="dk1"/>
+          </a:effectRef>
+          <a:fontRef idx="minor">
+            <a:schemeClr val="tx1"/>
+          </a:fontRef>
+        </p:style>
+      </p:cxnSp>
+      <p:sp>
+        <p:nvSpPr>
+          <p:cNvPr id="73" name="TextBox 72">
+            <a:extLst>
+              <a:ext uri="{FF2B5EF4-FFF2-40B4-BE49-F238E27FC236}">
+                <a16:creationId xmlns:a16="http://schemas.microsoft.com/office/drawing/2014/main" id="{3F9721B5-A79C-40A7-825A-15CDB670DB6B}"/>
+              </a:ext>
+            </a:extLst>
+          </p:cNvPr>
+          <p:cNvSpPr txBox="1"/>
+          <p:nvPr/>
+        </p:nvSpPr>
+        <p:spPr>
+          <a:xfrm>
+            <a:off x="3081357" y="3595925"/>
+            <a:ext cx="619080" cy="477054"/>
+          </a:xfrm>
+          <a:prstGeom prst="rect">
+            <a:avLst/>
+          </a:prstGeom>
+          <a:noFill/>
+        </p:spPr>
+        <p:txBody>
+          <a:bodyPr wrap="none" rtlCol="0">
+            <a:spAutoFit/>
+          </a:bodyPr>
+          <a:lstStyle/>
+          <a:p>
+            <a:r>
+              <a:rPr lang="en-US" altLang="ko-KR" sz="2500" dirty="0"/>
+              <a:t>tail</a:t>
+            </a:r>
+            <a:endParaRPr lang="ko-KR" altLang="en-US" sz="2500" dirty="0"/>
+          </a:p>
+        </p:txBody>
+      </p:sp>
+    </p:spTree>
+    <p:extLst>
+      <p:ext uri="{BB962C8B-B14F-4D97-AF65-F5344CB8AC3E}">
+        <p14:creationId xmlns:p14="http://schemas.microsoft.com/office/powerpoint/2010/main" val="1892559711"/>
+      </p:ext>
+    </p:extLst>
+  </p:cSld>
+  <p:clrMapOvr>
+    <a:masterClrMapping/>
+  </p:clrMapOvr>
+</p:sld>
+</file>
+
+<file path=ppt/slides/slide7.xml><?xml version="1.0" encoding="utf-8"?>
+<p:sld xmlns:a="http://schemas.openxmlformats.org/drawingml/2006/main" xmlns:r="http://schemas.openxmlformats.org/officeDocument/2006/relationships" xmlns:p="http://schemas.openxmlformats.org/presentationml/2006/main">
+  <p:cSld>
+    <p:spTree>
+      <p:nvGrpSpPr>
+        <p:cNvPr id="1" name=""/>
+        <p:cNvGrpSpPr/>
+        <p:nvPr/>
+      </p:nvGrpSpPr>
+      <p:grpSpPr>
+        <a:xfrm>
+          <a:off x="0" y="0"/>
+          <a:ext cx="0" cy="0"/>
+          <a:chOff x="0" y="0"/>
+          <a:chExt cx="0" cy="0"/>
+        </a:xfrm>
+      </p:grpSpPr>
+      <p:sp>
+        <p:nvSpPr>
+          <p:cNvPr id="2" name="직사각형 1">
+            <a:extLst>
+              <a:ext uri="{FF2B5EF4-FFF2-40B4-BE49-F238E27FC236}">
+                <a16:creationId xmlns:a16="http://schemas.microsoft.com/office/drawing/2014/main" id="{718825A7-3AC6-41B9-9887-F42D2B2F42CA}"/>
+              </a:ext>
+            </a:extLst>
+          </p:cNvPr>
+          <p:cNvSpPr/>
+          <p:nvPr/>
+        </p:nvSpPr>
+        <p:spPr>
+          <a:xfrm>
+            <a:off x="2262362" y="2655712"/>
+            <a:ext cx="2423769" cy="861774"/>
+          </a:xfrm>
+          <a:prstGeom prst="rect">
+            <a:avLst/>
+          </a:prstGeom>
+          <a:noFill/>
+          <a:ln>
+            <a:solidFill>
+              <a:schemeClr val="tx1"/>
+            </a:solidFill>
+          </a:ln>
+        </p:spPr>
+        <p:style>
+          <a:lnRef idx="2">
+            <a:schemeClr val="accent1">
+              <a:shade val="50000"/>
+            </a:schemeClr>
+          </a:lnRef>
+          <a:fillRef idx="1">
+            <a:schemeClr val="accent1"/>
+          </a:fillRef>
+          <a:effectRef idx="0">
+            <a:schemeClr val="accent1"/>
+          </a:effectRef>
+          <a:fontRef idx="minor">
+            <a:schemeClr val="lt1"/>
+          </a:fontRef>
+        </p:style>
+        <p:txBody>
+          <a:bodyPr rtlCol="0" anchor="ctr"/>
+          <a:lstStyle/>
+          <a:p>
+            <a:pPr algn="ctr"/>
+            <a:endParaRPr lang="ko-KR" altLang="en-US"/>
+          </a:p>
+        </p:txBody>
+      </p:sp>
+      <p:cxnSp>
+        <p:nvCxnSpPr>
+          <p:cNvPr id="11" name="직선 연결선 10">
+            <a:extLst>
+              <a:ext uri="{FF2B5EF4-FFF2-40B4-BE49-F238E27FC236}">
+                <a16:creationId xmlns:a16="http://schemas.microsoft.com/office/drawing/2014/main" id="{584555C4-6051-49C8-AF50-423E46F107B4}"/>
+              </a:ext>
+            </a:extLst>
+          </p:cNvPr>
+          <p:cNvCxnSpPr/>
+          <p:nvPr/>
+        </p:nvCxnSpPr>
+        <p:spPr>
+          <a:xfrm>
+            <a:off x="3453147" y="2655712"/>
+            <a:ext cx="0" cy="861774"/>
+          </a:xfrm>
+          <a:prstGeom prst="line">
+            <a:avLst/>
+          </a:prstGeom>
+        </p:spPr>
+        <p:style>
+          <a:lnRef idx="1">
+            <a:schemeClr val="dk1"/>
+          </a:lnRef>
+          <a:fillRef idx="0">
+            <a:schemeClr val="dk1"/>
+          </a:fillRef>
+          <a:effectRef idx="0">
+            <a:schemeClr val="dk1"/>
+          </a:effectRef>
+          <a:fontRef idx="minor">
+            <a:schemeClr val="tx1"/>
+          </a:fontRef>
+        </p:style>
+      </p:cxnSp>
+      <p:sp>
+        <p:nvSpPr>
+          <p:cNvPr id="56" name="TextBox 55">
+            <a:extLst>
+              <a:ext uri="{FF2B5EF4-FFF2-40B4-BE49-F238E27FC236}">
+                <a16:creationId xmlns:a16="http://schemas.microsoft.com/office/drawing/2014/main" id="{C38E7938-24BA-4F36-B19B-4BCADD5A9939}"/>
+              </a:ext>
+            </a:extLst>
+          </p:cNvPr>
+          <p:cNvSpPr txBox="1"/>
+          <p:nvPr/>
+        </p:nvSpPr>
+        <p:spPr>
+          <a:xfrm>
+            <a:off x="2589697" y="2655712"/>
+            <a:ext cx="606256" cy="861774"/>
+          </a:xfrm>
+          <a:prstGeom prst="rect">
+            <a:avLst/>
+          </a:prstGeom>
+          <a:noFill/>
+        </p:spPr>
+        <p:txBody>
+          <a:bodyPr wrap="none" rtlCol="0">
+            <a:spAutoFit/>
+          </a:bodyPr>
+          <a:lstStyle/>
+          <a:p>
+            <a:r>
+              <a:rPr lang="en-US" altLang="ko-KR" sz="5000" dirty="0"/>
+              <a:t>A</a:t>
+            </a:r>
+            <a:endParaRPr lang="ko-KR" altLang="en-US" sz="5000" dirty="0"/>
+          </a:p>
+        </p:txBody>
+      </p:sp>
+      <p:sp>
+        <p:nvSpPr>
+          <p:cNvPr id="57" name="TextBox 56">
+            <a:extLst>
+              <a:ext uri="{FF2B5EF4-FFF2-40B4-BE49-F238E27FC236}">
+                <a16:creationId xmlns:a16="http://schemas.microsoft.com/office/drawing/2014/main" id="{BE63F4F7-7FBC-4AC4-88EA-3BE43443D5EC}"/>
+              </a:ext>
+            </a:extLst>
+          </p:cNvPr>
+          <p:cNvSpPr txBox="1"/>
+          <p:nvPr/>
+        </p:nvSpPr>
+        <p:spPr>
+          <a:xfrm>
+            <a:off x="3624646" y="2655712"/>
+            <a:ext cx="889987" cy="861774"/>
+          </a:xfrm>
+          <a:prstGeom prst="rect">
+            <a:avLst/>
+          </a:prstGeom>
+          <a:noFill/>
+        </p:spPr>
+        <p:txBody>
+          <a:bodyPr wrap="none" rtlCol="0">
+            <a:spAutoFit/>
+          </a:bodyPr>
+          <a:lstStyle/>
+          <a:p>
+            <a:r>
+              <a:rPr lang="en-US" altLang="ko-KR" sz="5000" dirty="0"/>
+              <a:t>30</a:t>
+            </a:r>
+            <a:endParaRPr lang="ko-KR" altLang="en-US" sz="5000" dirty="0"/>
+          </a:p>
+        </p:txBody>
+      </p:sp>
+      <p:sp>
+        <p:nvSpPr>
+          <p:cNvPr id="44" name="TextBox 43">
+            <a:extLst>
+              <a:ext uri="{FF2B5EF4-FFF2-40B4-BE49-F238E27FC236}">
+                <a16:creationId xmlns:a16="http://schemas.microsoft.com/office/drawing/2014/main" id="{76E83DA1-83A3-442F-9D26-F693C8C6C809}"/>
+              </a:ext>
+            </a:extLst>
+          </p:cNvPr>
+          <p:cNvSpPr txBox="1"/>
+          <p:nvPr/>
+        </p:nvSpPr>
+        <p:spPr>
+          <a:xfrm>
+            <a:off x="2891111" y="3655994"/>
+            <a:ext cx="1178528" cy="477054"/>
+          </a:xfrm>
+          <a:prstGeom prst="rect">
+            <a:avLst/>
+          </a:prstGeom>
+          <a:noFill/>
+        </p:spPr>
+        <p:txBody>
+          <a:bodyPr wrap="none" rtlCol="0">
+            <a:spAutoFit/>
+          </a:bodyPr>
+          <a:lstStyle/>
+          <a:p>
+            <a:r>
+              <a:rPr lang="en-US" altLang="ko-KR" sz="2500" dirty="0"/>
+              <a:t>10</a:t>
+            </a:r>
+            <a:r>
+              <a:rPr lang="ko-KR" altLang="en-US" sz="2500" dirty="0"/>
+              <a:t>번지</a:t>
+            </a:r>
+          </a:p>
+        </p:txBody>
+      </p:sp>
+      <p:sp>
+        <p:nvSpPr>
+          <p:cNvPr id="45" name="직사각형 44">
+            <a:extLst>
+              <a:ext uri="{FF2B5EF4-FFF2-40B4-BE49-F238E27FC236}">
+                <a16:creationId xmlns:a16="http://schemas.microsoft.com/office/drawing/2014/main" id="{9839C51F-4399-491A-92FD-B366C6480388}"/>
+              </a:ext>
+            </a:extLst>
+          </p:cNvPr>
+          <p:cNvSpPr/>
+          <p:nvPr/>
+        </p:nvSpPr>
+        <p:spPr>
+          <a:xfrm>
+            <a:off x="5191540" y="2655712"/>
+            <a:ext cx="2423769" cy="861774"/>
+          </a:xfrm>
+          <a:prstGeom prst="rect">
+            <a:avLst/>
+          </a:prstGeom>
+          <a:noFill/>
+          <a:ln>
+            <a:solidFill>
+              <a:schemeClr val="tx1"/>
+            </a:solidFill>
+          </a:ln>
+        </p:spPr>
+        <p:style>
+          <a:lnRef idx="2">
+            <a:schemeClr val="accent1">
+              <a:shade val="50000"/>
+            </a:schemeClr>
+          </a:lnRef>
+          <a:fillRef idx="1">
+            <a:schemeClr val="accent1"/>
+          </a:fillRef>
+          <a:effectRef idx="0">
+            <a:schemeClr val="accent1"/>
+          </a:effectRef>
+          <a:fontRef idx="minor">
+            <a:schemeClr val="lt1"/>
+          </a:fontRef>
+        </p:style>
+        <p:txBody>
+          <a:bodyPr rtlCol="0" anchor="ctr"/>
+          <a:lstStyle/>
+          <a:p>
+            <a:pPr algn="ctr"/>
+            <a:endParaRPr lang="ko-KR" altLang="en-US"/>
+          </a:p>
+        </p:txBody>
+      </p:sp>
+      <p:cxnSp>
+        <p:nvCxnSpPr>
+          <p:cNvPr id="46" name="직선 연결선 45">
+            <a:extLst>
+              <a:ext uri="{FF2B5EF4-FFF2-40B4-BE49-F238E27FC236}">
+                <a16:creationId xmlns:a16="http://schemas.microsoft.com/office/drawing/2014/main" id="{C2A4177A-6144-4E1F-AEE5-86288048C09B}"/>
+              </a:ext>
+            </a:extLst>
+          </p:cNvPr>
+          <p:cNvCxnSpPr/>
+          <p:nvPr/>
+        </p:nvCxnSpPr>
+        <p:spPr>
+          <a:xfrm>
+            <a:off x="6382325" y="2655712"/>
+            <a:ext cx="0" cy="861774"/>
+          </a:xfrm>
+          <a:prstGeom prst="line">
+            <a:avLst/>
+          </a:prstGeom>
+        </p:spPr>
+        <p:style>
+          <a:lnRef idx="1">
+            <a:schemeClr val="dk1"/>
+          </a:lnRef>
+          <a:fillRef idx="0">
+            <a:schemeClr val="dk1"/>
+          </a:fillRef>
+          <a:effectRef idx="0">
+            <a:schemeClr val="dk1"/>
+          </a:effectRef>
+          <a:fontRef idx="minor">
+            <a:schemeClr val="tx1"/>
+          </a:fontRef>
+        </p:style>
+      </p:cxnSp>
+      <p:sp>
+        <p:nvSpPr>
+          <p:cNvPr id="47" name="TextBox 46">
+            <a:extLst>
+              <a:ext uri="{FF2B5EF4-FFF2-40B4-BE49-F238E27FC236}">
+                <a16:creationId xmlns:a16="http://schemas.microsoft.com/office/drawing/2014/main" id="{50C24520-BC04-435C-BAF9-9F4DD8C792DD}"/>
+              </a:ext>
+            </a:extLst>
+          </p:cNvPr>
+          <p:cNvSpPr txBox="1"/>
+          <p:nvPr/>
+        </p:nvSpPr>
+        <p:spPr>
+          <a:xfrm>
+            <a:off x="5518875" y="2655712"/>
+            <a:ext cx="558166" cy="861774"/>
+          </a:xfrm>
+          <a:prstGeom prst="rect">
+            <a:avLst/>
+          </a:prstGeom>
+          <a:noFill/>
+        </p:spPr>
+        <p:txBody>
+          <a:bodyPr wrap="none" rtlCol="0">
+            <a:spAutoFit/>
+          </a:bodyPr>
+          <a:lstStyle/>
+          <a:p>
+            <a:r>
+              <a:rPr lang="en-US" altLang="ko-KR" sz="5000" dirty="0"/>
+              <a:t>B</a:t>
+            </a:r>
+            <a:endParaRPr lang="ko-KR" altLang="en-US" sz="5000" dirty="0"/>
+          </a:p>
+        </p:txBody>
+      </p:sp>
+      <p:sp>
+        <p:nvSpPr>
+          <p:cNvPr id="48" name="TextBox 47">
+            <a:extLst>
+              <a:ext uri="{FF2B5EF4-FFF2-40B4-BE49-F238E27FC236}">
+                <a16:creationId xmlns:a16="http://schemas.microsoft.com/office/drawing/2014/main" id="{D9F8EB85-91B2-4A81-BC6A-DEBA3D581238}"/>
+              </a:ext>
+            </a:extLst>
+          </p:cNvPr>
+          <p:cNvSpPr txBox="1"/>
+          <p:nvPr/>
+        </p:nvSpPr>
+        <p:spPr>
+          <a:xfrm>
+            <a:off x="6553824" y="2655712"/>
+            <a:ext cx="889987" cy="861774"/>
+          </a:xfrm>
+          <a:prstGeom prst="rect">
+            <a:avLst/>
+          </a:prstGeom>
+          <a:noFill/>
+        </p:spPr>
+        <p:txBody>
+          <a:bodyPr wrap="none" rtlCol="0">
+            <a:spAutoFit/>
+          </a:bodyPr>
+          <a:lstStyle/>
+          <a:p>
+            <a:r>
+              <a:rPr lang="en-US" altLang="ko-KR" sz="5000" dirty="0"/>
+              <a:t>30</a:t>
+            </a:r>
+            <a:endParaRPr lang="ko-KR" altLang="en-US" sz="5000" dirty="0"/>
+          </a:p>
+        </p:txBody>
+      </p:sp>
+      <p:sp>
+        <p:nvSpPr>
+          <p:cNvPr id="49" name="TextBox 48">
+            <a:extLst>
+              <a:ext uri="{FF2B5EF4-FFF2-40B4-BE49-F238E27FC236}">
+                <a16:creationId xmlns:a16="http://schemas.microsoft.com/office/drawing/2014/main" id="{946F079E-066C-4CB0-A1C6-54EC532904A8}"/>
+              </a:ext>
+            </a:extLst>
+          </p:cNvPr>
+          <p:cNvSpPr txBox="1"/>
+          <p:nvPr/>
+        </p:nvSpPr>
+        <p:spPr>
+          <a:xfrm>
+            <a:off x="5820289" y="3655994"/>
+            <a:ext cx="1178528" cy="477054"/>
+          </a:xfrm>
+          <a:prstGeom prst="rect">
+            <a:avLst/>
+          </a:prstGeom>
+          <a:noFill/>
+        </p:spPr>
+        <p:txBody>
+          <a:bodyPr wrap="none" rtlCol="0">
+            <a:spAutoFit/>
+          </a:bodyPr>
+          <a:lstStyle/>
+          <a:p>
+            <a:r>
+              <a:rPr lang="en-US" altLang="ko-KR" sz="2500" dirty="0"/>
+              <a:t>20</a:t>
+            </a:r>
+            <a:r>
+              <a:rPr lang="ko-KR" altLang="en-US" sz="2500" dirty="0"/>
+              <a:t>번지</a:t>
+            </a:r>
+          </a:p>
+        </p:txBody>
+      </p:sp>
+      <p:sp>
+        <p:nvSpPr>
+          <p:cNvPr id="50" name="직사각형 49">
+            <a:extLst>
+              <a:ext uri="{FF2B5EF4-FFF2-40B4-BE49-F238E27FC236}">
+                <a16:creationId xmlns:a16="http://schemas.microsoft.com/office/drawing/2014/main" id="{2998E039-BF7B-4344-90D5-DE0C41553A01}"/>
+              </a:ext>
+            </a:extLst>
+          </p:cNvPr>
+          <p:cNvSpPr/>
+          <p:nvPr/>
+        </p:nvSpPr>
+        <p:spPr>
+          <a:xfrm>
+            <a:off x="8154074" y="2655712"/>
+            <a:ext cx="2423769" cy="861774"/>
+          </a:xfrm>
+          <a:prstGeom prst="rect">
+            <a:avLst/>
+          </a:prstGeom>
+          <a:noFill/>
+          <a:ln>
+            <a:solidFill>
+              <a:schemeClr val="tx1"/>
+            </a:solidFill>
+          </a:ln>
+        </p:spPr>
+        <p:style>
+          <a:lnRef idx="2">
+            <a:schemeClr val="accent1">
+              <a:shade val="50000"/>
+            </a:schemeClr>
+          </a:lnRef>
+          <a:fillRef idx="1">
+            <a:schemeClr val="accent1"/>
+          </a:fillRef>
+          <a:effectRef idx="0">
+            <a:schemeClr val="accent1"/>
+          </a:effectRef>
+          <a:fontRef idx="minor">
+            <a:schemeClr val="lt1"/>
+          </a:fontRef>
+        </p:style>
+        <p:txBody>
+          <a:bodyPr rtlCol="0" anchor="ctr"/>
+          <a:lstStyle/>
+          <a:p>
+            <a:pPr algn="ctr"/>
+            <a:endParaRPr lang="ko-KR" altLang="en-US"/>
+          </a:p>
+        </p:txBody>
+      </p:sp>
+      <p:cxnSp>
+        <p:nvCxnSpPr>
+          <p:cNvPr id="51" name="직선 연결선 50">
+            <a:extLst>
+              <a:ext uri="{FF2B5EF4-FFF2-40B4-BE49-F238E27FC236}">
+                <a16:creationId xmlns:a16="http://schemas.microsoft.com/office/drawing/2014/main" id="{A6E70490-80EF-4BB7-823B-6C9462CDDC69}"/>
+              </a:ext>
+            </a:extLst>
+          </p:cNvPr>
+          <p:cNvCxnSpPr/>
+          <p:nvPr/>
+        </p:nvCxnSpPr>
+        <p:spPr>
+          <a:xfrm>
+            <a:off x="9344859" y="2655712"/>
+            <a:ext cx="0" cy="861774"/>
+          </a:xfrm>
+          <a:prstGeom prst="line">
+            <a:avLst/>
+          </a:prstGeom>
+        </p:spPr>
+        <p:style>
+          <a:lnRef idx="1">
+            <a:schemeClr val="dk1"/>
+          </a:lnRef>
+          <a:fillRef idx="0">
+            <a:schemeClr val="dk1"/>
+          </a:fillRef>
+          <a:effectRef idx="0">
+            <a:schemeClr val="dk1"/>
+          </a:effectRef>
+          <a:fontRef idx="minor">
+            <a:schemeClr val="tx1"/>
+          </a:fontRef>
+        </p:style>
+      </p:cxnSp>
+      <p:sp>
+        <p:nvSpPr>
+          <p:cNvPr id="52" name="TextBox 51">
+            <a:extLst>
+              <a:ext uri="{FF2B5EF4-FFF2-40B4-BE49-F238E27FC236}">
+                <a16:creationId xmlns:a16="http://schemas.microsoft.com/office/drawing/2014/main" id="{AC6C3E3C-2584-49F8-950A-0D8ECE8CC069}"/>
+              </a:ext>
+            </a:extLst>
+          </p:cNvPr>
+          <p:cNvSpPr txBox="1"/>
+          <p:nvPr/>
+        </p:nvSpPr>
+        <p:spPr>
+          <a:xfrm>
+            <a:off x="8426975" y="2655712"/>
+            <a:ext cx="606256" cy="861774"/>
+          </a:xfrm>
+          <a:prstGeom prst="rect">
+            <a:avLst/>
+          </a:prstGeom>
+          <a:noFill/>
+        </p:spPr>
+        <p:txBody>
+          <a:bodyPr wrap="none" rtlCol="0">
+            <a:spAutoFit/>
+          </a:bodyPr>
+          <a:lstStyle/>
+          <a:p>
+            <a:r>
+              <a:rPr lang="en-US" altLang="ko-KR" sz="5000" dirty="0"/>
+              <a:t>C</a:t>
+            </a:r>
+            <a:endParaRPr lang="ko-KR" altLang="en-US" sz="5000" dirty="0"/>
+          </a:p>
+        </p:txBody>
+      </p:sp>
+      <p:sp>
+        <p:nvSpPr>
+          <p:cNvPr id="54" name="TextBox 53">
+            <a:extLst>
+              <a:ext uri="{FF2B5EF4-FFF2-40B4-BE49-F238E27FC236}">
+                <a16:creationId xmlns:a16="http://schemas.microsoft.com/office/drawing/2014/main" id="{A5284C38-1C56-444B-9D7D-6B398F5E009C}"/>
+              </a:ext>
+            </a:extLst>
+          </p:cNvPr>
+          <p:cNvSpPr txBox="1"/>
+          <p:nvPr/>
+        </p:nvSpPr>
+        <p:spPr>
+          <a:xfrm>
+            <a:off x="8782823" y="3655994"/>
+            <a:ext cx="1178528" cy="477054"/>
+          </a:xfrm>
+          <a:prstGeom prst="rect">
+            <a:avLst/>
+          </a:prstGeom>
+          <a:noFill/>
+        </p:spPr>
+        <p:txBody>
+          <a:bodyPr wrap="none" rtlCol="0">
+            <a:spAutoFit/>
+          </a:bodyPr>
+          <a:lstStyle/>
+          <a:p>
+            <a:r>
+              <a:rPr lang="en-US" altLang="ko-KR" sz="2500" dirty="0"/>
+              <a:t>30</a:t>
+            </a:r>
+            <a:r>
+              <a:rPr lang="ko-KR" altLang="en-US" sz="2500" dirty="0"/>
+              <a:t>번지</a:t>
+            </a:r>
+          </a:p>
+        </p:txBody>
+      </p:sp>
+      <p:sp>
+        <p:nvSpPr>
+          <p:cNvPr id="59" name="TextBox 58">
+            <a:extLst>
+              <a:ext uri="{FF2B5EF4-FFF2-40B4-BE49-F238E27FC236}">
+                <a16:creationId xmlns:a16="http://schemas.microsoft.com/office/drawing/2014/main" id="{9D9CBD8C-7958-42E1-AB1E-5B354C04E55D}"/>
+              </a:ext>
+            </a:extLst>
+          </p:cNvPr>
+          <p:cNvSpPr txBox="1"/>
+          <p:nvPr/>
+        </p:nvSpPr>
+        <p:spPr>
+          <a:xfrm>
+            <a:off x="9524982" y="2655712"/>
+            <a:ext cx="889987" cy="861774"/>
+          </a:xfrm>
+          <a:prstGeom prst="rect">
+            <a:avLst/>
+          </a:prstGeom>
+          <a:noFill/>
+        </p:spPr>
+        <p:txBody>
+          <a:bodyPr wrap="none" rtlCol="0">
+            <a:spAutoFit/>
+          </a:bodyPr>
+          <a:lstStyle/>
+          <a:p>
+            <a:r>
+              <a:rPr lang="en-US" altLang="ko-KR" sz="5000" dirty="0"/>
+              <a:t>10</a:t>
+            </a:r>
+            <a:endParaRPr lang="ko-KR" altLang="en-US" sz="5000" dirty="0"/>
+          </a:p>
+        </p:txBody>
+      </p:sp>
+      <p:cxnSp>
+        <p:nvCxnSpPr>
+          <p:cNvPr id="8" name="직선 화살표 연결선 7">
+            <a:extLst>
+              <a:ext uri="{FF2B5EF4-FFF2-40B4-BE49-F238E27FC236}">
+                <a16:creationId xmlns:a16="http://schemas.microsoft.com/office/drawing/2014/main" id="{F82B5802-31C4-46CF-89FC-072B1249BAE0}"/>
+              </a:ext>
+            </a:extLst>
+          </p:cNvPr>
+          <p:cNvCxnSpPr>
+            <a:stCxn id="45" idx="3"/>
+            <a:endCxn id="50" idx="1"/>
+          </p:cNvCxnSpPr>
+          <p:nvPr/>
+        </p:nvCxnSpPr>
+        <p:spPr>
+          <a:xfrm>
+            <a:off x="7615309" y="3086599"/>
+            <a:ext cx="538765" cy="0"/>
+          </a:xfrm>
+          <a:prstGeom prst="straightConnector1">
+            <a:avLst/>
+          </a:prstGeom>
+          <a:ln>
+            <a:headEnd type="oval"/>
+            <a:tailEnd type="triangle"/>
+          </a:ln>
+        </p:spPr>
+        <p:style>
+          <a:lnRef idx="1">
+            <a:schemeClr val="dk1"/>
+          </a:lnRef>
+          <a:fillRef idx="0">
+            <a:schemeClr val="dk1"/>
+          </a:fillRef>
+          <a:effectRef idx="0">
+            <a:schemeClr val="dk1"/>
+          </a:effectRef>
+          <a:fontRef idx="minor">
+            <a:schemeClr val="tx1"/>
+          </a:fontRef>
+        </p:style>
+      </p:cxnSp>
+      <p:cxnSp>
+        <p:nvCxnSpPr>
+          <p:cNvPr id="27" name="직선 화살표 연결선 26">
+            <a:extLst>
+              <a:ext uri="{FF2B5EF4-FFF2-40B4-BE49-F238E27FC236}">
+                <a16:creationId xmlns:a16="http://schemas.microsoft.com/office/drawing/2014/main" id="{4232B21B-41AA-4C83-AC7F-FD422AB4CE1E}"/>
+              </a:ext>
+            </a:extLst>
+          </p:cNvPr>
+          <p:cNvCxnSpPr>
+            <a:cxnSpLocks/>
+            <a:stCxn id="2" idx="3"/>
+            <a:endCxn id="45" idx="1"/>
+          </p:cNvCxnSpPr>
+          <p:nvPr/>
+        </p:nvCxnSpPr>
+        <p:spPr>
+          <a:xfrm>
+            <a:off x="4686131" y="3086599"/>
+            <a:ext cx="505409" cy="0"/>
+          </a:xfrm>
+          <a:prstGeom prst="straightConnector1">
+            <a:avLst/>
+          </a:prstGeom>
+          <a:ln>
+            <a:headEnd type="oval"/>
+            <a:tailEnd type="triangle"/>
+          </a:ln>
+        </p:spPr>
+        <p:style>
+          <a:lnRef idx="1">
+            <a:schemeClr val="dk1"/>
+          </a:lnRef>
+          <a:fillRef idx="0">
+            <a:schemeClr val="dk1"/>
+          </a:fillRef>
+          <a:effectRef idx="0">
+            <a:schemeClr val="dk1"/>
+          </a:effectRef>
+          <a:fontRef idx="minor">
+            <a:schemeClr val="tx1"/>
+          </a:fontRef>
+        </p:style>
+      </p:cxnSp>
+      <p:cxnSp>
+        <p:nvCxnSpPr>
+          <p:cNvPr id="7" name="연결선: 꺾임 6">
+            <a:extLst>
+              <a:ext uri="{FF2B5EF4-FFF2-40B4-BE49-F238E27FC236}">
+                <a16:creationId xmlns:a16="http://schemas.microsoft.com/office/drawing/2014/main" id="{A3D2C3BA-5A11-4349-8024-C0E45A1E1FC2}"/>
+              </a:ext>
+            </a:extLst>
+          </p:cNvPr>
+          <p:cNvCxnSpPr>
+            <a:stCxn id="2" idx="1"/>
+            <a:endCxn id="50" idx="3"/>
+          </p:cNvCxnSpPr>
+          <p:nvPr/>
+        </p:nvCxnSpPr>
+        <p:spPr>
+          <a:xfrm rot="10800000" flipH="1">
+            <a:off x="2262361" y="3086599"/>
+            <a:ext cx="8315481" cy="12700"/>
+          </a:xfrm>
+          <a:prstGeom prst="bentConnector5">
+            <a:avLst>
+              <a:gd name="adj1" fmla="val -7171"/>
+              <a:gd name="adj2" fmla="val 8401512"/>
+              <a:gd name="adj3" fmla="val 108486"/>
+            </a:avLst>
+          </a:prstGeom>
+          <a:ln>
+            <a:tailEnd type="triangle"/>
+          </a:ln>
+        </p:spPr>
+        <p:style>
+          <a:lnRef idx="1">
+            <a:schemeClr val="dk1"/>
+          </a:lnRef>
+          <a:fillRef idx="0">
+            <a:schemeClr val="dk1"/>
+          </a:fillRef>
+          <a:effectRef idx="0">
+            <a:schemeClr val="dk1"/>
+          </a:effectRef>
+          <a:fontRef idx="minor">
+            <a:schemeClr val="tx1"/>
+          </a:fontRef>
+        </p:style>
+      </p:cxnSp>
+      <p:sp>
+        <p:nvSpPr>
+          <p:cNvPr id="35" name="TextBox 34">
+            <a:extLst>
+              <a:ext uri="{FF2B5EF4-FFF2-40B4-BE49-F238E27FC236}">
+                <a16:creationId xmlns:a16="http://schemas.microsoft.com/office/drawing/2014/main" id="{F48EDD86-48A5-4F8F-B00C-BD147EC44B81}"/>
+              </a:ext>
+            </a:extLst>
+          </p:cNvPr>
+          <p:cNvSpPr txBox="1"/>
+          <p:nvPr/>
+        </p:nvSpPr>
+        <p:spPr>
+          <a:xfrm>
+            <a:off x="2891111" y="2155574"/>
+            <a:ext cx="1186543" cy="477054"/>
+          </a:xfrm>
+          <a:prstGeom prst="rect">
+            <a:avLst/>
+          </a:prstGeom>
+          <a:noFill/>
+        </p:spPr>
+        <p:txBody>
+          <a:bodyPr wrap="none" rtlCol="0">
+            <a:spAutoFit/>
+          </a:bodyPr>
+          <a:lstStyle/>
+          <a:p>
+            <a:r>
+              <a:rPr lang="en-US" altLang="ko-KR" sz="2500" dirty="0"/>
+              <a:t>header</a:t>
+            </a:r>
+            <a:endParaRPr lang="ko-KR" altLang="en-US" sz="2500" dirty="0"/>
+          </a:p>
+        </p:txBody>
+      </p:sp>
+    </p:spTree>
+    <p:extLst>
+      <p:ext uri="{BB962C8B-B14F-4D97-AF65-F5344CB8AC3E}">
+        <p14:creationId xmlns:p14="http://schemas.microsoft.com/office/powerpoint/2010/main" val="932359749"/>
+      </p:ext>
+    </p:extLst>
+  </p:cSld>
+  <p:clrMapOvr>
+    <a:masterClrMapping/>
+  </p:clrMapOvr>
+</p:sld>
+</file>
+
+<file path=ppt/slides/slide8.xml><?xml version="1.0" encoding="utf-8"?>
+<p:sld xmlns:a="http://schemas.openxmlformats.org/drawingml/2006/main" xmlns:r="http://schemas.openxmlformats.org/officeDocument/2006/relationships" xmlns:p="http://schemas.openxmlformats.org/presentationml/2006/main">
+  <p:cSld>
+    <p:spTree>
+      <p:nvGrpSpPr>
+        <p:cNvPr id="1" name=""/>
+        <p:cNvGrpSpPr/>
+        <p:nvPr/>
+      </p:nvGrpSpPr>
+      <p:grpSpPr>
+        <a:xfrm>
+          <a:off x="0" y="0"/>
+          <a:ext cx="0" cy="0"/>
+          <a:chOff x="0" y="0"/>
+          <a:chExt cx="0" cy="0"/>
+        </a:xfrm>
+      </p:grpSpPr>
+      <p:sp>
+        <p:nvSpPr>
+          <p:cNvPr id="45" name="직사각형 44">
+            <a:extLst>
+              <a:ext uri="{FF2B5EF4-FFF2-40B4-BE49-F238E27FC236}">
+                <a16:creationId xmlns:a16="http://schemas.microsoft.com/office/drawing/2014/main" id="{9839C51F-4399-491A-92FD-B366C6480388}"/>
+              </a:ext>
+            </a:extLst>
+          </p:cNvPr>
+          <p:cNvSpPr/>
+          <p:nvPr/>
+        </p:nvSpPr>
+        <p:spPr>
+          <a:xfrm>
+            <a:off x="2541635" y="1775043"/>
+            <a:ext cx="3395267" cy="861774"/>
+          </a:xfrm>
+          <a:prstGeom prst="rect">
+            <a:avLst/>
+          </a:prstGeom>
+          <a:noFill/>
+          <a:ln>
+            <a:solidFill>
+              <a:schemeClr val="tx1"/>
+            </a:solidFill>
+          </a:ln>
+        </p:spPr>
+        <p:style>
+          <a:lnRef idx="2">
+            <a:schemeClr val="accent1">
+              <a:shade val="50000"/>
+            </a:schemeClr>
+          </a:lnRef>
+          <a:fillRef idx="1">
+            <a:schemeClr val="accent1"/>
+          </a:fillRef>
+          <a:effectRef idx="0">
+            <a:schemeClr val="accent1"/>
+          </a:effectRef>
+          <a:fontRef idx="minor">
+            <a:schemeClr val="lt1"/>
+          </a:fontRef>
+        </p:style>
+        <p:txBody>
+          <a:bodyPr rtlCol="0" anchor="ctr"/>
+          <a:lstStyle/>
+          <a:p>
+            <a:pPr algn="ctr"/>
+            <a:endParaRPr lang="ko-KR" altLang="en-US"/>
+          </a:p>
+        </p:txBody>
+      </p:sp>
+      <p:cxnSp>
+        <p:nvCxnSpPr>
+          <p:cNvPr id="46" name="직선 연결선 45">
+            <a:extLst>
+              <a:ext uri="{FF2B5EF4-FFF2-40B4-BE49-F238E27FC236}">
+                <a16:creationId xmlns:a16="http://schemas.microsoft.com/office/drawing/2014/main" id="{C2A4177A-6144-4E1F-AEE5-86288048C09B}"/>
+              </a:ext>
+            </a:extLst>
+          </p:cNvPr>
+          <p:cNvCxnSpPr/>
+          <p:nvPr/>
+        </p:nvCxnSpPr>
+        <p:spPr>
+          <a:xfrm>
+            <a:off x="3750891" y="1775043"/>
+            <a:ext cx="0" cy="861774"/>
+          </a:xfrm>
+          <a:prstGeom prst="line">
+            <a:avLst/>
+          </a:prstGeom>
+        </p:spPr>
+        <p:style>
+          <a:lnRef idx="1">
+            <a:schemeClr val="dk1"/>
+          </a:lnRef>
+          <a:fillRef idx="0">
+            <a:schemeClr val="dk1"/>
+          </a:fillRef>
+          <a:effectRef idx="0">
+            <a:schemeClr val="dk1"/>
+          </a:effectRef>
+          <a:fontRef idx="minor">
+            <a:schemeClr val="tx1"/>
+          </a:fontRef>
+        </p:style>
+      </p:cxnSp>
+      <p:sp>
+        <p:nvSpPr>
+          <p:cNvPr id="47" name="TextBox 46">
+            <a:extLst>
+              <a:ext uri="{FF2B5EF4-FFF2-40B4-BE49-F238E27FC236}">
+                <a16:creationId xmlns:a16="http://schemas.microsoft.com/office/drawing/2014/main" id="{50C24520-BC04-435C-BAF9-9F4DD8C792DD}"/>
+              </a:ext>
+            </a:extLst>
+          </p:cNvPr>
+          <p:cNvSpPr txBox="1"/>
+          <p:nvPr/>
+        </p:nvSpPr>
+        <p:spPr>
+          <a:xfrm>
+            <a:off x="4007212" y="1775043"/>
+            <a:ext cx="606256" cy="861774"/>
+          </a:xfrm>
+          <a:prstGeom prst="rect">
+            <a:avLst/>
+          </a:prstGeom>
+          <a:noFill/>
+        </p:spPr>
+        <p:txBody>
+          <a:bodyPr wrap="none" rtlCol="0">
+            <a:spAutoFit/>
+          </a:bodyPr>
+          <a:lstStyle/>
+          <a:p>
+            <a:r>
+              <a:rPr lang="en-US" altLang="ko-KR" sz="5000" dirty="0"/>
+              <a:t>A</a:t>
+            </a:r>
+            <a:endParaRPr lang="ko-KR" altLang="en-US" sz="5000" dirty="0"/>
+          </a:p>
+        </p:txBody>
+      </p:sp>
+      <p:sp>
+        <p:nvSpPr>
+          <p:cNvPr id="48" name="TextBox 47">
+            <a:extLst>
+              <a:ext uri="{FF2B5EF4-FFF2-40B4-BE49-F238E27FC236}">
+                <a16:creationId xmlns:a16="http://schemas.microsoft.com/office/drawing/2014/main" id="{D9F8EB85-91B2-4A81-BC6A-DEBA3D581238}"/>
+              </a:ext>
+            </a:extLst>
+          </p:cNvPr>
+          <p:cNvSpPr txBox="1"/>
+          <p:nvPr/>
+        </p:nvSpPr>
+        <p:spPr>
+          <a:xfrm>
+            <a:off x="2707620" y="1789618"/>
+            <a:ext cx="889987" cy="861774"/>
+          </a:xfrm>
+          <a:prstGeom prst="rect">
+            <a:avLst/>
+          </a:prstGeom>
+          <a:noFill/>
+        </p:spPr>
+        <p:txBody>
+          <a:bodyPr wrap="none" rtlCol="0">
+            <a:spAutoFit/>
+          </a:bodyPr>
+          <a:lstStyle/>
+          <a:p>
+            <a:r>
+              <a:rPr lang="en-US" altLang="ko-KR" sz="5000" dirty="0"/>
+              <a:t>40</a:t>
+            </a:r>
+            <a:endParaRPr lang="ko-KR" altLang="en-US" sz="5000" dirty="0"/>
+          </a:p>
+        </p:txBody>
+      </p:sp>
+      <p:sp>
+        <p:nvSpPr>
+          <p:cNvPr id="49" name="TextBox 48">
+            <a:extLst>
+              <a:ext uri="{FF2B5EF4-FFF2-40B4-BE49-F238E27FC236}">
+                <a16:creationId xmlns:a16="http://schemas.microsoft.com/office/drawing/2014/main" id="{946F079E-066C-4CB0-A1C6-54EC532904A8}"/>
+              </a:ext>
+            </a:extLst>
+          </p:cNvPr>
+          <p:cNvSpPr txBox="1"/>
+          <p:nvPr/>
+        </p:nvSpPr>
+        <p:spPr>
+          <a:xfrm>
+            <a:off x="3750891" y="2699804"/>
+            <a:ext cx="1178528" cy="477054"/>
+          </a:xfrm>
+          <a:prstGeom prst="rect">
+            <a:avLst/>
+          </a:prstGeom>
+          <a:noFill/>
+        </p:spPr>
+        <p:txBody>
+          <a:bodyPr wrap="none" rtlCol="0">
+            <a:spAutoFit/>
+          </a:bodyPr>
+          <a:lstStyle/>
+          <a:p>
+            <a:r>
+              <a:rPr lang="en-US" altLang="ko-KR" sz="2500" dirty="0"/>
+              <a:t>10</a:t>
+            </a:r>
+            <a:r>
+              <a:rPr lang="ko-KR" altLang="en-US" sz="2500" dirty="0"/>
+              <a:t>번지</a:t>
+            </a:r>
+          </a:p>
+        </p:txBody>
+      </p:sp>
+      <p:cxnSp>
+        <p:nvCxnSpPr>
+          <p:cNvPr id="8" name="직선 화살표 연결선 7">
+            <a:extLst>
+              <a:ext uri="{FF2B5EF4-FFF2-40B4-BE49-F238E27FC236}">
+                <a16:creationId xmlns:a16="http://schemas.microsoft.com/office/drawing/2014/main" id="{F82B5802-31C4-46CF-89FC-072B1249BAE0}"/>
+              </a:ext>
+            </a:extLst>
+          </p:cNvPr>
+          <p:cNvCxnSpPr>
+            <a:cxnSpLocks/>
+            <a:stCxn id="45" idx="3"/>
+          </p:cNvCxnSpPr>
+          <p:nvPr/>
+        </p:nvCxnSpPr>
+        <p:spPr>
+          <a:xfrm>
+            <a:off x="5936902" y="2205930"/>
+            <a:ext cx="669405" cy="0"/>
+          </a:xfrm>
+          <a:prstGeom prst="straightConnector1">
+            <a:avLst/>
+          </a:prstGeom>
+          <a:ln>
+            <a:headEnd type="oval"/>
+            <a:tailEnd type="triangle"/>
+          </a:ln>
+        </p:spPr>
+        <p:style>
+          <a:lnRef idx="1">
+            <a:schemeClr val="dk1"/>
+          </a:lnRef>
+          <a:fillRef idx="0">
+            <a:schemeClr val="dk1"/>
+          </a:fillRef>
+          <a:effectRef idx="0">
+            <a:schemeClr val="dk1"/>
+          </a:effectRef>
+          <a:fontRef idx="minor">
+            <a:schemeClr val="tx1"/>
+          </a:fontRef>
+        </p:style>
+      </p:cxnSp>
+      <p:cxnSp>
+        <p:nvCxnSpPr>
+          <p:cNvPr id="29" name="직선 연결선 28">
+            <a:extLst>
+              <a:ext uri="{FF2B5EF4-FFF2-40B4-BE49-F238E27FC236}">
+                <a16:creationId xmlns:a16="http://schemas.microsoft.com/office/drawing/2014/main" id="{C7D7D9E5-E955-4CE6-894D-84F7BDADCEEB}"/>
+              </a:ext>
+            </a:extLst>
+          </p:cNvPr>
+          <p:cNvCxnSpPr/>
+          <p:nvPr/>
+        </p:nvCxnSpPr>
+        <p:spPr>
+          <a:xfrm>
+            <a:off x="4845403" y="1775043"/>
+            <a:ext cx="0" cy="861774"/>
+          </a:xfrm>
+          <a:prstGeom prst="line">
+            <a:avLst/>
+          </a:prstGeom>
+        </p:spPr>
+        <p:style>
+          <a:lnRef idx="1">
+            <a:schemeClr val="dk1"/>
+          </a:lnRef>
+          <a:fillRef idx="0">
+            <a:schemeClr val="dk1"/>
+          </a:fillRef>
+          <a:effectRef idx="0">
+            <a:schemeClr val="dk1"/>
+          </a:effectRef>
+          <a:fontRef idx="minor">
+            <a:schemeClr val="tx1"/>
+          </a:fontRef>
+        </p:style>
+      </p:cxnSp>
+      <p:sp>
+        <p:nvSpPr>
+          <p:cNvPr id="30" name="TextBox 29">
+            <a:extLst>
+              <a:ext uri="{FF2B5EF4-FFF2-40B4-BE49-F238E27FC236}">
+                <a16:creationId xmlns:a16="http://schemas.microsoft.com/office/drawing/2014/main" id="{D83DDF70-5864-475D-8AE3-564DB3C18A06}"/>
+              </a:ext>
+            </a:extLst>
+          </p:cNvPr>
+          <p:cNvSpPr txBox="1"/>
+          <p:nvPr/>
+        </p:nvSpPr>
+        <p:spPr>
+          <a:xfrm>
+            <a:off x="4935159" y="1775043"/>
+            <a:ext cx="889987" cy="861774"/>
+          </a:xfrm>
+          <a:prstGeom prst="rect">
+            <a:avLst/>
+          </a:prstGeom>
+          <a:noFill/>
+        </p:spPr>
+        <p:txBody>
+          <a:bodyPr wrap="none" rtlCol="0">
+            <a:spAutoFit/>
+          </a:bodyPr>
+          <a:lstStyle/>
+          <a:p>
+            <a:r>
+              <a:rPr lang="en-US" altLang="ko-KR" sz="5000" dirty="0"/>
+              <a:t>20</a:t>
+            </a:r>
+            <a:endParaRPr lang="ko-KR" altLang="en-US" sz="5000" dirty="0"/>
+          </a:p>
+        </p:txBody>
+      </p:sp>
+      <p:sp>
+        <p:nvSpPr>
+          <p:cNvPr id="35" name="직사각형 34">
+            <a:extLst>
+              <a:ext uri="{FF2B5EF4-FFF2-40B4-BE49-F238E27FC236}">
+                <a16:creationId xmlns:a16="http://schemas.microsoft.com/office/drawing/2014/main" id="{646A0016-D0CB-415A-80DD-3123AE44C370}"/>
+              </a:ext>
+            </a:extLst>
+          </p:cNvPr>
+          <p:cNvSpPr/>
+          <p:nvPr/>
+        </p:nvSpPr>
+        <p:spPr>
+          <a:xfrm>
+            <a:off x="6585563" y="1789618"/>
+            <a:ext cx="3395267" cy="861774"/>
+          </a:xfrm>
+          <a:prstGeom prst="rect">
+            <a:avLst/>
+          </a:prstGeom>
+          <a:noFill/>
+          <a:ln>
+            <a:solidFill>
+              <a:schemeClr val="tx1"/>
+            </a:solidFill>
+          </a:ln>
+        </p:spPr>
+        <p:style>
+          <a:lnRef idx="2">
+            <a:schemeClr val="accent1">
+              <a:shade val="50000"/>
+            </a:schemeClr>
+          </a:lnRef>
+          <a:fillRef idx="1">
+            <a:schemeClr val="accent1"/>
+          </a:fillRef>
+          <a:effectRef idx="0">
+            <a:schemeClr val="accent1"/>
+          </a:effectRef>
+          <a:fontRef idx="minor">
+            <a:schemeClr val="lt1"/>
+          </a:fontRef>
+        </p:style>
+        <p:txBody>
+          <a:bodyPr rtlCol="0" anchor="ctr"/>
+          <a:lstStyle/>
+          <a:p>
+            <a:pPr algn="ctr"/>
+            <a:endParaRPr lang="ko-KR" altLang="en-US"/>
+          </a:p>
+        </p:txBody>
+      </p:sp>
+      <p:cxnSp>
+        <p:nvCxnSpPr>
+          <p:cNvPr id="36" name="직선 연결선 35">
+            <a:extLst>
+              <a:ext uri="{FF2B5EF4-FFF2-40B4-BE49-F238E27FC236}">
+                <a16:creationId xmlns:a16="http://schemas.microsoft.com/office/drawing/2014/main" id="{54C0DB01-B8F8-453F-A05E-25604FF55950}"/>
+              </a:ext>
+            </a:extLst>
+          </p:cNvPr>
+          <p:cNvCxnSpPr/>
+          <p:nvPr/>
+        </p:nvCxnSpPr>
+        <p:spPr>
+          <a:xfrm>
+            <a:off x="7794819" y="1789618"/>
+            <a:ext cx="0" cy="861774"/>
+          </a:xfrm>
+          <a:prstGeom prst="line">
+            <a:avLst/>
+          </a:prstGeom>
+        </p:spPr>
+        <p:style>
+          <a:lnRef idx="1">
+            <a:schemeClr val="dk1"/>
+          </a:lnRef>
+          <a:fillRef idx="0">
+            <a:schemeClr val="dk1"/>
+          </a:fillRef>
+          <a:effectRef idx="0">
+            <a:schemeClr val="dk1"/>
+          </a:effectRef>
+          <a:fontRef idx="minor">
+            <a:schemeClr val="tx1"/>
+          </a:fontRef>
+        </p:style>
+      </p:cxnSp>
+      <p:sp>
+        <p:nvSpPr>
+          <p:cNvPr id="37" name="TextBox 36">
+            <a:extLst>
+              <a:ext uri="{FF2B5EF4-FFF2-40B4-BE49-F238E27FC236}">
+                <a16:creationId xmlns:a16="http://schemas.microsoft.com/office/drawing/2014/main" id="{F32398F8-3497-431C-9524-2A7EFDBEFF87}"/>
+              </a:ext>
+            </a:extLst>
+          </p:cNvPr>
+          <p:cNvSpPr txBox="1"/>
+          <p:nvPr/>
+        </p:nvSpPr>
+        <p:spPr>
+          <a:xfrm>
+            <a:off x="8051140" y="1789618"/>
+            <a:ext cx="558166" cy="861774"/>
+          </a:xfrm>
+          <a:prstGeom prst="rect">
+            <a:avLst/>
+          </a:prstGeom>
+          <a:noFill/>
+        </p:spPr>
+        <p:txBody>
+          <a:bodyPr wrap="none" rtlCol="0">
+            <a:spAutoFit/>
+          </a:bodyPr>
+          <a:lstStyle/>
+          <a:p>
+            <a:r>
+              <a:rPr lang="en-US" altLang="ko-KR" sz="5000" dirty="0"/>
+              <a:t>B</a:t>
+            </a:r>
+            <a:endParaRPr lang="ko-KR" altLang="en-US" sz="5000" dirty="0"/>
+          </a:p>
+        </p:txBody>
+      </p:sp>
+      <p:sp>
+        <p:nvSpPr>
+          <p:cNvPr id="38" name="TextBox 37">
+            <a:extLst>
+              <a:ext uri="{FF2B5EF4-FFF2-40B4-BE49-F238E27FC236}">
+                <a16:creationId xmlns:a16="http://schemas.microsoft.com/office/drawing/2014/main" id="{77A54F32-5219-4432-9A5E-2B4CAFF05AFA}"/>
+              </a:ext>
+            </a:extLst>
+          </p:cNvPr>
+          <p:cNvSpPr txBox="1"/>
+          <p:nvPr/>
+        </p:nvSpPr>
+        <p:spPr>
+          <a:xfrm>
+            <a:off x="6753586" y="1789618"/>
+            <a:ext cx="889987" cy="861774"/>
+          </a:xfrm>
+          <a:prstGeom prst="rect">
+            <a:avLst/>
+          </a:prstGeom>
+          <a:noFill/>
+        </p:spPr>
+        <p:txBody>
+          <a:bodyPr wrap="none" rtlCol="0">
+            <a:spAutoFit/>
+          </a:bodyPr>
+          <a:lstStyle/>
+          <a:p>
+            <a:r>
+              <a:rPr lang="en-US" altLang="ko-KR" sz="5000" dirty="0"/>
+              <a:t>10</a:t>
+            </a:r>
+            <a:endParaRPr lang="ko-KR" altLang="en-US" sz="5000" dirty="0"/>
+          </a:p>
+        </p:txBody>
+      </p:sp>
+      <p:sp>
+        <p:nvSpPr>
+          <p:cNvPr id="39" name="TextBox 38">
+            <a:extLst>
+              <a:ext uri="{FF2B5EF4-FFF2-40B4-BE49-F238E27FC236}">
+                <a16:creationId xmlns:a16="http://schemas.microsoft.com/office/drawing/2014/main" id="{46FA1655-0374-4010-B1A3-838F01DB8E4F}"/>
+              </a:ext>
+            </a:extLst>
+          </p:cNvPr>
+          <p:cNvSpPr txBox="1"/>
+          <p:nvPr/>
+        </p:nvSpPr>
+        <p:spPr>
+          <a:xfrm>
+            <a:off x="7794819" y="2714379"/>
+            <a:ext cx="1178528" cy="477054"/>
+          </a:xfrm>
+          <a:prstGeom prst="rect">
+            <a:avLst/>
+          </a:prstGeom>
+          <a:noFill/>
+        </p:spPr>
+        <p:txBody>
+          <a:bodyPr wrap="none" rtlCol="0">
+            <a:spAutoFit/>
+          </a:bodyPr>
+          <a:lstStyle/>
+          <a:p>
+            <a:r>
+              <a:rPr lang="en-US" altLang="ko-KR" sz="2500" dirty="0"/>
+              <a:t>20</a:t>
+            </a:r>
+            <a:r>
+              <a:rPr lang="ko-KR" altLang="en-US" sz="2500" dirty="0"/>
+              <a:t>번지</a:t>
+            </a:r>
+          </a:p>
+        </p:txBody>
+      </p:sp>
+      <p:cxnSp>
+        <p:nvCxnSpPr>
+          <p:cNvPr id="40" name="직선 연결선 39">
+            <a:extLst>
+              <a:ext uri="{FF2B5EF4-FFF2-40B4-BE49-F238E27FC236}">
+                <a16:creationId xmlns:a16="http://schemas.microsoft.com/office/drawing/2014/main" id="{0C9D692D-29FA-4F1E-878E-5F8C958B4692}"/>
+              </a:ext>
+            </a:extLst>
+          </p:cNvPr>
+          <p:cNvCxnSpPr/>
+          <p:nvPr/>
+        </p:nvCxnSpPr>
+        <p:spPr>
+          <a:xfrm>
+            <a:off x="8889331" y="1789618"/>
+            <a:ext cx="0" cy="861774"/>
+          </a:xfrm>
+          <a:prstGeom prst="line">
+            <a:avLst/>
+          </a:prstGeom>
+        </p:spPr>
+        <p:style>
+          <a:lnRef idx="1">
+            <a:schemeClr val="dk1"/>
+          </a:lnRef>
+          <a:fillRef idx="0">
+            <a:schemeClr val="dk1"/>
+          </a:fillRef>
+          <a:effectRef idx="0">
+            <a:schemeClr val="dk1"/>
+          </a:effectRef>
+          <a:fontRef idx="minor">
+            <a:schemeClr val="tx1"/>
+          </a:fontRef>
+        </p:style>
+      </p:cxnSp>
+      <p:sp>
+        <p:nvSpPr>
+          <p:cNvPr id="43" name="TextBox 42">
+            <a:extLst>
+              <a:ext uri="{FF2B5EF4-FFF2-40B4-BE49-F238E27FC236}">
+                <a16:creationId xmlns:a16="http://schemas.microsoft.com/office/drawing/2014/main" id="{E95F4A75-5277-48D2-8A24-899826F27081}"/>
+              </a:ext>
+            </a:extLst>
+          </p:cNvPr>
+          <p:cNvSpPr txBox="1"/>
+          <p:nvPr/>
+        </p:nvSpPr>
+        <p:spPr>
+          <a:xfrm>
+            <a:off x="8979087" y="1789618"/>
+            <a:ext cx="889987" cy="861774"/>
+          </a:xfrm>
+          <a:prstGeom prst="rect">
+            <a:avLst/>
+          </a:prstGeom>
+          <a:noFill/>
+        </p:spPr>
+        <p:txBody>
+          <a:bodyPr wrap="none" rtlCol="0">
+            <a:spAutoFit/>
+          </a:bodyPr>
+          <a:lstStyle/>
+          <a:p>
+            <a:r>
+              <a:rPr lang="en-US" altLang="ko-KR" sz="5000" dirty="0"/>
+              <a:t>30</a:t>
+            </a:r>
+            <a:endParaRPr lang="ko-KR" altLang="en-US" sz="5000" dirty="0"/>
+          </a:p>
+        </p:txBody>
+      </p:sp>
+      <p:sp>
+        <p:nvSpPr>
+          <p:cNvPr id="53" name="직사각형 52">
+            <a:extLst>
+              <a:ext uri="{FF2B5EF4-FFF2-40B4-BE49-F238E27FC236}">
+                <a16:creationId xmlns:a16="http://schemas.microsoft.com/office/drawing/2014/main" id="{8C053C8E-4DD6-4027-9667-BBF33AAAB39C}"/>
+              </a:ext>
+            </a:extLst>
+          </p:cNvPr>
+          <p:cNvSpPr/>
+          <p:nvPr/>
+        </p:nvSpPr>
+        <p:spPr>
+          <a:xfrm>
+            <a:off x="6606307" y="4029436"/>
+            <a:ext cx="3395267" cy="861774"/>
+          </a:xfrm>
+          <a:prstGeom prst="rect">
+            <a:avLst/>
+          </a:prstGeom>
+          <a:noFill/>
+          <a:ln>
+            <a:solidFill>
+              <a:schemeClr val="tx1"/>
+            </a:solidFill>
+          </a:ln>
+        </p:spPr>
+        <p:style>
+          <a:lnRef idx="2">
+            <a:schemeClr val="accent1">
+              <a:shade val="50000"/>
+            </a:schemeClr>
+          </a:lnRef>
+          <a:fillRef idx="1">
+            <a:schemeClr val="accent1"/>
+          </a:fillRef>
+          <a:effectRef idx="0">
+            <a:schemeClr val="accent1"/>
+          </a:effectRef>
+          <a:fontRef idx="minor">
+            <a:schemeClr val="lt1"/>
+          </a:fontRef>
+        </p:style>
+        <p:txBody>
+          <a:bodyPr rtlCol="0" anchor="ctr"/>
+          <a:lstStyle/>
+          <a:p>
+            <a:pPr algn="ctr"/>
+            <a:endParaRPr lang="ko-KR" altLang="en-US"/>
+          </a:p>
+        </p:txBody>
+      </p:sp>
+      <p:cxnSp>
+        <p:nvCxnSpPr>
+          <p:cNvPr id="58" name="직선 연결선 57">
+            <a:extLst>
+              <a:ext uri="{FF2B5EF4-FFF2-40B4-BE49-F238E27FC236}">
+                <a16:creationId xmlns:a16="http://schemas.microsoft.com/office/drawing/2014/main" id="{46848D5E-09FB-4C8D-910A-E6F66AEBABD3}"/>
+              </a:ext>
+            </a:extLst>
+          </p:cNvPr>
+          <p:cNvCxnSpPr/>
+          <p:nvPr/>
+        </p:nvCxnSpPr>
+        <p:spPr>
+          <a:xfrm>
+            <a:off x="7815563" y="4029436"/>
+            <a:ext cx="0" cy="861774"/>
+          </a:xfrm>
+          <a:prstGeom prst="line">
+            <a:avLst/>
+          </a:prstGeom>
+        </p:spPr>
+        <p:style>
+          <a:lnRef idx="1">
+            <a:schemeClr val="dk1"/>
+          </a:lnRef>
+          <a:fillRef idx="0">
+            <a:schemeClr val="dk1"/>
+          </a:fillRef>
+          <a:effectRef idx="0">
+            <a:schemeClr val="dk1"/>
+          </a:effectRef>
+          <a:fontRef idx="minor">
+            <a:schemeClr val="tx1"/>
+          </a:fontRef>
+        </p:style>
+      </p:cxnSp>
+      <p:sp>
+        <p:nvSpPr>
+          <p:cNvPr id="60" name="TextBox 59">
+            <a:extLst>
+              <a:ext uri="{FF2B5EF4-FFF2-40B4-BE49-F238E27FC236}">
+                <a16:creationId xmlns:a16="http://schemas.microsoft.com/office/drawing/2014/main" id="{E4065D4E-4491-485C-86AF-C0841EBEDA11}"/>
+              </a:ext>
+            </a:extLst>
+          </p:cNvPr>
+          <p:cNvSpPr txBox="1"/>
+          <p:nvPr/>
+        </p:nvSpPr>
+        <p:spPr>
+          <a:xfrm>
+            <a:off x="8071884" y="4029436"/>
+            <a:ext cx="591829" cy="861774"/>
+          </a:xfrm>
+          <a:prstGeom prst="rect">
+            <a:avLst/>
+          </a:prstGeom>
+          <a:noFill/>
+        </p:spPr>
+        <p:txBody>
+          <a:bodyPr wrap="none" rtlCol="0">
+            <a:spAutoFit/>
+          </a:bodyPr>
+          <a:lstStyle/>
+          <a:p>
+            <a:r>
+              <a:rPr lang="en-US" altLang="ko-KR" sz="5000" dirty="0"/>
+              <a:t>C</a:t>
+            </a:r>
+            <a:endParaRPr lang="ko-KR" altLang="en-US" sz="5000" dirty="0"/>
+          </a:p>
+        </p:txBody>
+      </p:sp>
+      <p:sp>
+        <p:nvSpPr>
+          <p:cNvPr id="61" name="TextBox 60">
+            <a:extLst>
+              <a:ext uri="{FF2B5EF4-FFF2-40B4-BE49-F238E27FC236}">
+                <a16:creationId xmlns:a16="http://schemas.microsoft.com/office/drawing/2014/main" id="{C66C44BC-FDDE-4799-81F2-99AAB27B8CD8}"/>
+              </a:ext>
+            </a:extLst>
+          </p:cNvPr>
+          <p:cNvSpPr txBox="1"/>
+          <p:nvPr/>
+        </p:nvSpPr>
+        <p:spPr>
+          <a:xfrm>
+            <a:off x="6774330" y="4029436"/>
+            <a:ext cx="889987" cy="861774"/>
+          </a:xfrm>
+          <a:prstGeom prst="rect">
+            <a:avLst/>
+          </a:prstGeom>
+          <a:noFill/>
+        </p:spPr>
+        <p:txBody>
+          <a:bodyPr wrap="none" rtlCol="0">
+            <a:spAutoFit/>
+          </a:bodyPr>
+          <a:lstStyle/>
+          <a:p>
+            <a:r>
+              <a:rPr lang="en-US" altLang="ko-KR" sz="5000" dirty="0"/>
+              <a:t>40</a:t>
+            </a:r>
+            <a:endParaRPr lang="ko-KR" altLang="en-US" sz="5000" dirty="0"/>
+          </a:p>
+        </p:txBody>
+      </p:sp>
+      <p:sp>
+        <p:nvSpPr>
+          <p:cNvPr id="62" name="TextBox 61">
+            <a:extLst>
+              <a:ext uri="{FF2B5EF4-FFF2-40B4-BE49-F238E27FC236}">
+                <a16:creationId xmlns:a16="http://schemas.microsoft.com/office/drawing/2014/main" id="{4E6275FD-AF21-483C-A00E-14B878082F4D}"/>
+              </a:ext>
+            </a:extLst>
+          </p:cNvPr>
+          <p:cNvSpPr txBox="1"/>
+          <p:nvPr/>
+        </p:nvSpPr>
+        <p:spPr>
+          <a:xfrm>
+            <a:off x="7815563" y="4954197"/>
+            <a:ext cx="1178528" cy="477054"/>
+          </a:xfrm>
+          <a:prstGeom prst="rect">
+            <a:avLst/>
+          </a:prstGeom>
+          <a:noFill/>
+        </p:spPr>
+        <p:txBody>
+          <a:bodyPr wrap="none" rtlCol="0">
+            <a:spAutoFit/>
+          </a:bodyPr>
+          <a:lstStyle/>
+          <a:p>
+            <a:r>
+              <a:rPr lang="en-US" altLang="ko-KR" sz="2500" dirty="0"/>
+              <a:t>30</a:t>
+            </a:r>
+            <a:r>
+              <a:rPr lang="ko-KR" altLang="en-US" sz="2500" dirty="0"/>
+              <a:t>번지</a:t>
+            </a:r>
+          </a:p>
+        </p:txBody>
+      </p:sp>
+      <p:cxnSp>
+        <p:nvCxnSpPr>
+          <p:cNvPr id="63" name="직선 연결선 62">
+            <a:extLst>
+              <a:ext uri="{FF2B5EF4-FFF2-40B4-BE49-F238E27FC236}">
+                <a16:creationId xmlns:a16="http://schemas.microsoft.com/office/drawing/2014/main" id="{D7890814-A58C-4A68-9C0D-E34B2BC40CD9}"/>
+              </a:ext>
+            </a:extLst>
+          </p:cNvPr>
+          <p:cNvCxnSpPr/>
+          <p:nvPr/>
+        </p:nvCxnSpPr>
+        <p:spPr>
+          <a:xfrm>
+            <a:off x="8910075" y="4029436"/>
+            <a:ext cx="0" cy="861774"/>
+          </a:xfrm>
+          <a:prstGeom prst="line">
+            <a:avLst/>
+          </a:prstGeom>
+        </p:spPr>
+        <p:style>
+          <a:lnRef idx="1">
+            <a:schemeClr val="dk1"/>
+          </a:lnRef>
+          <a:fillRef idx="0">
+            <a:schemeClr val="dk1"/>
+          </a:fillRef>
+          <a:effectRef idx="0">
+            <a:schemeClr val="dk1"/>
+          </a:effectRef>
+          <a:fontRef idx="minor">
+            <a:schemeClr val="tx1"/>
+          </a:fontRef>
+        </p:style>
+      </p:cxnSp>
+      <p:sp>
+        <p:nvSpPr>
+          <p:cNvPr id="64" name="TextBox 63">
+            <a:extLst>
+              <a:ext uri="{FF2B5EF4-FFF2-40B4-BE49-F238E27FC236}">
+                <a16:creationId xmlns:a16="http://schemas.microsoft.com/office/drawing/2014/main" id="{4A6471C0-8B50-42D7-8A92-673C7C64BA6C}"/>
+              </a:ext>
+            </a:extLst>
+          </p:cNvPr>
+          <p:cNvSpPr txBox="1"/>
+          <p:nvPr/>
+        </p:nvSpPr>
+        <p:spPr>
+          <a:xfrm>
+            <a:off x="8999831" y="4029436"/>
+            <a:ext cx="889987" cy="861774"/>
+          </a:xfrm>
+          <a:prstGeom prst="rect">
+            <a:avLst/>
+          </a:prstGeom>
+          <a:noFill/>
+        </p:spPr>
+        <p:txBody>
+          <a:bodyPr wrap="none" rtlCol="0">
+            <a:spAutoFit/>
+          </a:bodyPr>
+          <a:lstStyle/>
+          <a:p>
+            <a:r>
+              <a:rPr lang="en-US" altLang="ko-KR" sz="5000" dirty="0"/>
+              <a:t>20</a:t>
+            </a:r>
+            <a:endParaRPr lang="ko-KR" altLang="en-US" sz="5000" dirty="0"/>
+          </a:p>
+        </p:txBody>
+      </p:sp>
+      <p:sp>
+        <p:nvSpPr>
+          <p:cNvPr id="65" name="직사각형 64">
+            <a:extLst>
+              <a:ext uri="{FF2B5EF4-FFF2-40B4-BE49-F238E27FC236}">
+                <a16:creationId xmlns:a16="http://schemas.microsoft.com/office/drawing/2014/main" id="{F47DBBC4-E368-440A-9C5E-A34DA32F82EF}"/>
+              </a:ext>
+            </a:extLst>
+          </p:cNvPr>
+          <p:cNvSpPr/>
+          <p:nvPr/>
+        </p:nvSpPr>
+        <p:spPr>
+          <a:xfrm>
+            <a:off x="2541635" y="4029436"/>
+            <a:ext cx="3395267" cy="861774"/>
+          </a:xfrm>
+          <a:prstGeom prst="rect">
+            <a:avLst/>
+          </a:prstGeom>
+          <a:noFill/>
+          <a:ln>
+            <a:solidFill>
+              <a:schemeClr val="tx1"/>
+            </a:solidFill>
+          </a:ln>
+        </p:spPr>
+        <p:style>
+          <a:lnRef idx="2">
+            <a:schemeClr val="accent1">
+              <a:shade val="50000"/>
+            </a:schemeClr>
+          </a:lnRef>
+          <a:fillRef idx="1">
+            <a:schemeClr val="accent1"/>
+          </a:fillRef>
+          <a:effectRef idx="0">
+            <a:schemeClr val="accent1"/>
+          </a:effectRef>
+          <a:fontRef idx="minor">
+            <a:schemeClr val="lt1"/>
+          </a:fontRef>
+        </p:style>
+        <p:txBody>
+          <a:bodyPr rtlCol="0" anchor="ctr"/>
+          <a:lstStyle/>
+          <a:p>
+            <a:pPr algn="ctr"/>
+            <a:endParaRPr lang="ko-KR" altLang="en-US"/>
+          </a:p>
+        </p:txBody>
+      </p:sp>
+      <p:cxnSp>
+        <p:nvCxnSpPr>
+          <p:cNvPr id="66" name="직선 연결선 65">
+            <a:extLst>
+              <a:ext uri="{FF2B5EF4-FFF2-40B4-BE49-F238E27FC236}">
+                <a16:creationId xmlns:a16="http://schemas.microsoft.com/office/drawing/2014/main" id="{C5746307-56E6-48AA-A1D9-A38FFEB5A067}"/>
+              </a:ext>
+            </a:extLst>
+          </p:cNvPr>
+          <p:cNvCxnSpPr/>
+          <p:nvPr/>
+        </p:nvCxnSpPr>
+        <p:spPr>
+          <a:xfrm>
+            <a:off x="3750891" y="4029436"/>
+            <a:ext cx="0" cy="861774"/>
+          </a:xfrm>
+          <a:prstGeom prst="line">
+            <a:avLst/>
+          </a:prstGeom>
+        </p:spPr>
+        <p:style>
+          <a:lnRef idx="1">
+            <a:schemeClr val="dk1"/>
+          </a:lnRef>
+          <a:fillRef idx="0">
+            <a:schemeClr val="dk1"/>
+          </a:fillRef>
+          <a:effectRef idx="0">
+            <a:schemeClr val="dk1"/>
+          </a:effectRef>
+          <a:fontRef idx="minor">
+            <a:schemeClr val="tx1"/>
+          </a:fontRef>
+        </p:style>
+      </p:cxnSp>
+      <p:sp>
+        <p:nvSpPr>
+          <p:cNvPr id="67" name="TextBox 66">
+            <a:extLst>
+              <a:ext uri="{FF2B5EF4-FFF2-40B4-BE49-F238E27FC236}">
+                <a16:creationId xmlns:a16="http://schemas.microsoft.com/office/drawing/2014/main" id="{155B9366-AD6C-4152-8F3B-65BE89A57CE5}"/>
+              </a:ext>
+            </a:extLst>
+          </p:cNvPr>
+          <p:cNvSpPr txBox="1"/>
+          <p:nvPr/>
+        </p:nvSpPr>
+        <p:spPr>
+          <a:xfrm>
+            <a:off x="4007212" y="4029436"/>
+            <a:ext cx="644728" cy="861774"/>
+          </a:xfrm>
+          <a:prstGeom prst="rect">
+            <a:avLst/>
+          </a:prstGeom>
+          <a:noFill/>
+        </p:spPr>
+        <p:txBody>
+          <a:bodyPr wrap="none" rtlCol="0">
+            <a:spAutoFit/>
+          </a:bodyPr>
+          <a:lstStyle/>
+          <a:p>
+            <a:r>
+              <a:rPr lang="en-US" altLang="ko-KR" sz="5000" dirty="0"/>
+              <a:t>D</a:t>
+            </a:r>
+            <a:endParaRPr lang="ko-KR" altLang="en-US" sz="5000" dirty="0"/>
+          </a:p>
+        </p:txBody>
+      </p:sp>
+      <p:sp>
+        <p:nvSpPr>
+          <p:cNvPr id="69" name="TextBox 68">
+            <a:extLst>
+              <a:ext uri="{FF2B5EF4-FFF2-40B4-BE49-F238E27FC236}">
+                <a16:creationId xmlns:a16="http://schemas.microsoft.com/office/drawing/2014/main" id="{F73483E2-1002-42B6-BDC6-E2FDA2169758}"/>
+              </a:ext>
+            </a:extLst>
+          </p:cNvPr>
+          <p:cNvSpPr txBox="1"/>
+          <p:nvPr/>
+        </p:nvSpPr>
+        <p:spPr>
+          <a:xfrm>
+            <a:off x="3750891" y="4954197"/>
+            <a:ext cx="1178528" cy="477054"/>
+          </a:xfrm>
+          <a:prstGeom prst="rect">
+            <a:avLst/>
+          </a:prstGeom>
+          <a:noFill/>
+        </p:spPr>
+        <p:txBody>
+          <a:bodyPr wrap="none" rtlCol="0">
+            <a:spAutoFit/>
+          </a:bodyPr>
+          <a:lstStyle/>
+          <a:p>
+            <a:r>
+              <a:rPr lang="en-US" altLang="ko-KR" sz="2500" dirty="0"/>
+              <a:t>40</a:t>
+            </a:r>
+            <a:r>
+              <a:rPr lang="ko-KR" altLang="en-US" sz="2500" dirty="0"/>
+              <a:t>번지</a:t>
+            </a:r>
+          </a:p>
+        </p:txBody>
+      </p:sp>
+      <p:cxnSp>
+        <p:nvCxnSpPr>
+          <p:cNvPr id="70" name="직선 연결선 69">
+            <a:extLst>
+              <a:ext uri="{FF2B5EF4-FFF2-40B4-BE49-F238E27FC236}">
+                <a16:creationId xmlns:a16="http://schemas.microsoft.com/office/drawing/2014/main" id="{0D65E650-83D2-4E57-8ECE-5027A60EF001}"/>
+              </a:ext>
+            </a:extLst>
+          </p:cNvPr>
+          <p:cNvCxnSpPr/>
+          <p:nvPr/>
+        </p:nvCxnSpPr>
+        <p:spPr>
+          <a:xfrm>
+            <a:off x="4845403" y="4029436"/>
+            <a:ext cx="0" cy="861774"/>
+          </a:xfrm>
+          <a:prstGeom prst="line">
+            <a:avLst/>
+          </a:prstGeom>
+        </p:spPr>
+        <p:style>
+          <a:lnRef idx="1">
+            <a:schemeClr val="dk1"/>
+          </a:lnRef>
+          <a:fillRef idx="0">
+            <a:schemeClr val="dk1"/>
+          </a:fillRef>
+          <a:effectRef idx="0">
+            <a:schemeClr val="dk1"/>
+          </a:effectRef>
+          <a:fontRef idx="minor">
+            <a:schemeClr val="tx1"/>
+          </a:fontRef>
+        </p:style>
+      </p:cxnSp>
+      <p:sp>
+        <p:nvSpPr>
+          <p:cNvPr id="71" name="TextBox 70">
+            <a:extLst>
+              <a:ext uri="{FF2B5EF4-FFF2-40B4-BE49-F238E27FC236}">
+                <a16:creationId xmlns:a16="http://schemas.microsoft.com/office/drawing/2014/main" id="{D257F3FD-F36C-4EDC-8E26-6ED636BE94A4}"/>
+              </a:ext>
+            </a:extLst>
+          </p:cNvPr>
+          <p:cNvSpPr txBox="1"/>
+          <p:nvPr/>
+        </p:nvSpPr>
+        <p:spPr>
+          <a:xfrm>
+            <a:off x="4935159" y="4029436"/>
+            <a:ext cx="889987" cy="861774"/>
+          </a:xfrm>
+          <a:prstGeom prst="rect">
+            <a:avLst/>
+          </a:prstGeom>
+          <a:noFill/>
+        </p:spPr>
+        <p:txBody>
+          <a:bodyPr wrap="none" rtlCol="0">
+            <a:spAutoFit/>
+          </a:bodyPr>
+          <a:lstStyle/>
+          <a:p>
+            <a:r>
+              <a:rPr lang="en-US" altLang="ko-KR" sz="5000" dirty="0"/>
+              <a:t>30</a:t>
+            </a:r>
+            <a:endParaRPr lang="ko-KR" altLang="en-US" sz="5000" dirty="0"/>
+          </a:p>
+        </p:txBody>
+      </p:sp>
+      <p:sp>
+        <p:nvSpPr>
+          <p:cNvPr id="72" name="TextBox 71">
+            <a:extLst>
+              <a:ext uri="{FF2B5EF4-FFF2-40B4-BE49-F238E27FC236}">
+                <a16:creationId xmlns:a16="http://schemas.microsoft.com/office/drawing/2014/main" id="{6E7C800F-C6C3-4893-83CA-43E2C81BF23E}"/>
+              </a:ext>
+            </a:extLst>
+          </p:cNvPr>
+          <p:cNvSpPr txBox="1"/>
+          <p:nvPr/>
+        </p:nvSpPr>
+        <p:spPr>
+          <a:xfrm>
+            <a:off x="2701270" y="4029436"/>
+            <a:ext cx="889987" cy="861774"/>
+          </a:xfrm>
+          <a:prstGeom prst="rect">
+            <a:avLst/>
+          </a:prstGeom>
+          <a:noFill/>
+        </p:spPr>
+        <p:txBody>
+          <a:bodyPr wrap="none" rtlCol="0">
+            <a:spAutoFit/>
+          </a:bodyPr>
+          <a:lstStyle/>
+          <a:p>
+            <a:r>
+              <a:rPr lang="en-US" altLang="ko-KR" sz="5000" dirty="0"/>
+              <a:t>10</a:t>
+            </a:r>
+            <a:endParaRPr lang="ko-KR" altLang="en-US" sz="5000" dirty="0"/>
+          </a:p>
+        </p:txBody>
+      </p:sp>
+      <p:cxnSp>
+        <p:nvCxnSpPr>
+          <p:cNvPr id="19" name="연결선: 꺾임 18">
+            <a:extLst>
+              <a:ext uri="{FF2B5EF4-FFF2-40B4-BE49-F238E27FC236}">
+                <a16:creationId xmlns:a16="http://schemas.microsoft.com/office/drawing/2014/main" id="{ACDBD3F4-B5DE-4CC3-AF59-92E19599B7E7}"/>
+              </a:ext>
+            </a:extLst>
+          </p:cNvPr>
+          <p:cNvCxnSpPr>
+            <a:stCxn id="35" idx="3"/>
+            <a:endCxn id="53" idx="3"/>
+          </p:cNvCxnSpPr>
+          <p:nvPr/>
+        </p:nvCxnSpPr>
+        <p:spPr>
+          <a:xfrm>
+            <a:off x="9980830" y="2220505"/>
+            <a:ext cx="20744" cy="2239818"/>
+          </a:xfrm>
+          <a:prstGeom prst="bentConnector3">
+            <a:avLst>
+              <a:gd name="adj1" fmla="val 3980978"/>
+            </a:avLst>
+          </a:prstGeom>
+          <a:ln>
+            <a:headEnd type="oval"/>
+            <a:tailEnd type="triangle"/>
+          </a:ln>
+        </p:spPr>
+        <p:style>
+          <a:lnRef idx="1">
+            <a:schemeClr val="dk1"/>
+          </a:lnRef>
+          <a:fillRef idx="0">
+            <a:schemeClr val="dk1"/>
+          </a:fillRef>
+          <a:effectRef idx="0">
+            <a:schemeClr val="dk1"/>
+          </a:effectRef>
+          <a:fontRef idx="minor">
+            <a:schemeClr val="tx1"/>
+          </a:fontRef>
+        </p:style>
+      </p:cxnSp>
+      <p:cxnSp>
+        <p:nvCxnSpPr>
+          <p:cNvPr id="21" name="직선 화살표 연결선 20">
+            <a:extLst>
+              <a:ext uri="{FF2B5EF4-FFF2-40B4-BE49-F238E27FC236}">
+                <a16:creationId xmlns:a16="http://schemas.microsoft.com/office/drawing/2014/main" id="{557974C5-12B6-4FDA-B0B6-2DD43BE67922}"/>
+              </a:ext>
+            </a:extLst>
+          </p:cNvPr>
+          <p:cNvCxnSpPr>
+            <a:stCxn id="53" idx="1"/>
+            <a:endCxn id="65" idx="3"/>
+          </p:cNvCxnSpPr>
+          <p:nvPr/>
+        </p:nvCxnSpPr>
+        <p:spPr>
+          <a:xfrm flipH="1">
+            <a:off x="5936902" y="4460323"/>
+            <a:ext cx="669405" cy="0"/>
+          </a:xfrm>
+          <a:prstGeom prst="straightConnector1">
+            <a:avLst/>
+          </a:prstGeom>
+          <a:ln>
+            <a:headEnd type="oval"/>
+            <a:tailEnd type="triangle"/>
+          </a:ln>
+        </p:spPr>
+        <p:style>
+          <a:lnRef idx="1">
+            <a:schemeClr val="dk1"/>
+          </a:lnRef>
+          <a:fillRef idx="0">
+            <a:schemeClr val="dk1"/>
+          </a:fillRef>
+          <a:effectRef idx="0">
+            <a:schemeClr val="dk1"/>
+          </a:effectRef>
+          <a:fontRef idx="minor">
+            <a:schemeClr val="tx1"/>
+          </a:fontRef>
+        </p:style>
+      </p:cxnSp>
+      <p:cxnSp>
+        <p:nvCxnSpPr>
+          <p:cNvPr id="3" name="연결선: 꺾임 2">
+            <a:extLst>
+              <a:ext uri="{FF2B5EF4-FFF2-40B4-BE49-F238E27FC236}">
+                <a16:creationId xmlns:a16="http://schemas.microsoft.com/office/drawing/2014/main" id="{B2D1AC10-140E-4AF9-BDEB-037EBA8C2BB6}"/>
+              </a:ext>
+            </a:extLst>
+          </p:cNvPr>
+          <p:cNvCxnSpPr>
+            <a:cxnSpLocks/>
+            <a:stCxn id="65" idx="1"/>
+            <a:endCxn id="45" idx="1"/>
+          </p:cNvCxnSpPr>
+          <p:nvPr/>
+        </p:nvCxnSpPr>
+        <p:spPr>
+          <a:xfrm rot="10800000">
+            <a:off x="2541635" y="2205931"/>
+            <a:ext cx="12700" cy="2254393"/>
+          </a:xfrm>
+          <a:prstGeom prst="bentConnector3">
+            <a:avLst>
+              <a:gd name="adj1" fmla="val 6182614"/>
+            </a:avLst>
+          </a:prstGeom>
+          <a:ln>
+            <a:headEnd type="oval"/>
+            <a:tailEnd type="triangle"/>
+          </a:ln>
+        </p:spPr>
+        <p:style>
+          <a:lnRef idx="1">
+            <a:schemeClr val="dk1"/>
+          </a:lnRef>
+          <a:fillRef idx="0">
+            <a:schemeClr val="dk1"/>
+          </a:fillRef>
+          <a:effectRef idx="0">
+            <a:schemeClr val="dk1"/>
+          </a:effectRef>
+          <a:fontRef idx="minor">
+            <a:schemeClr val="tx1"/>
+          </a:fontRef>
+        </p:style>
+      </p:cxnSp>
+      <p:sp>
+        <p:nvSpPr>
+          <p:cNvPr id="41" name="TextBox 40">
+            <a:extLst>
+              <a:ext uri="{FF2B5EF4-FFF2-40B4-BE49-F238E27FC236}">
+                <a16:creationId xmlns:a16="http://schemas.microsoft.com/office/drawing/2014/main" id="{16D8D609-8F6F-4A5B-AE1A-D957EC751288}"/>
+              </a:ext>
+            </a:extLst>
+          </p:cNvPr>
+          <p:cNvSpPr txBox="1"/>
+          <p:nvPr/>
+        </p:nvSpPr>
+        <p:spPr>
+          <a:xfrm>
+            <a:off x="3736304" y="1266496"/>
+            <a:ext cx="1186543" cy="477054"/>
+          </a:xfrm>
+          <a:prstGeom prst="rect">
+            <a:avLst/>
+          </a:prstGeom>
+          <a:noFill/>
+        </p:spPr>
+        <p:txBody>
+          <a:bodyPr wrap="none" rtlCol="0">
+            <a:spAutoFit/>
+          </a:bodyPr>
+          <a:lstStyle/>
+          <a:p>
+            <a:r>
+              <a:rPr lang="en-US" altLang="ko-KR" sz="2500" dirty="0"/>
+              <a:t>header</a:t>
+            </a:r>
+            <a:endParaRPr lang="ko-KR" altLang="en-US" sz="2500" dirty="0"/>
+          </a:p>
+        </p:txBody>
+      </p:sp>
+    </p:spTree>
+    <p:extLst>
+      <p:ext uri="{BB962C8B-B14F-4D97-AF65-F5344CB8AC3E}">
+        <p14:creationId xmlns:p14="http://schemas.microsoft.com/office/powerpoint/2010/main" val="394911781"/>
       </p:ext>
     </p:extLst>
   </p:cSld>
